--- a/Pres_files/Game Plan.pptx
+++ b/Pres_files/Game Plan.pptx
@@ -4,14 +4,20 @@
   <p:sldMasterIdLst>
     <p:sldMasterId id="2147484110" r:id="rId1"/>
   </p:sldMasterIdLst>
+  <p:notesMasterIdLst>
+    <p:notesMasterId r:id="rId12"/>
+  </p:notesMasterIdLst>
   <p:sldIdLst>
     <p:sldId id="256" r:id="rId2"/>
     <p:sldId id="259" r:id="rId3"/>
     <p:sldId id="262" r:id="rId4"/>
     <p:sldId id="261" r:id="rId5"/>
-    <p:sldId id="264" r:id="rId6"/>
-    <p:sldId id="263" r:id="rId7"/>
-    <p:sldId id="265" r:id="rId8"/>
+    <p:sldId id="266" r:id="rId6"/>
+    <p:sldId id="268" r:id="rId7"/>
+    <p:sldId id="264" r:id="rId8"/>
+    <p:sldId id="263" r:id="rId9"/>
+    <p:sldId id="267" r:id="rId10"/>
+    <p:sldId id="265" r:id="rId11"/>
   </p:sldIdLst>
   <p:sldSz cx="9144000" cy="6858000" type="screen4x3"/>
   <p:notesSz cx="6858000" cy="9144000"/>
@@ -118,6 +124,1148 @@
 </p:presentation>
 </file>
 
+<file path=ppt/notesMasters/notesMaster1.xml><?xml version="1.0" encoding="utf-8"?>
+<p:notesMaster xmlns:a="http://schemas.openxmlformats.org/drawingml/2006/main" xmlns:r="http://schemas.openxmlformats.org/officeDocument/2006/relationships" xmlns:p="http://schemas.openxmlformats.org/presentationml/2006/main">
+  <p:cSld>
+    <p:bg>
+      <p:bgRef idx="1001">
+        <a:schemeClr val="bg1"/>
+      </p:bgRef>
+    </p:bg>
+    <p:spTree>
+      <p:nvGrpSpPr>
+        <p:cNvPr id="1" name=""/>
+        <p:cNvGrpSpPr/>
+        <p:nvPr/>
+      </p:nvGrpSpPr>
+      <p:grpSpPr>
+        <a:xfrm>
+          <a:off x="0" y="0"/>
+          <a:ext cx="0" cy="0"/>
+          <a:chOff x="0" y="0"/>
+          <a:chExt cx="0" cy="0"/>
+        </a:xfrm>
+      </p:grpSpPr>
+      <p:sp>
+        <p:nvSpPr>
+          <p:cNvPr id="2" name="Header Placeholder 1"/>
+          <p:cNvSpPr>
+            <a:spLocks noGrp="1"/>
+          </p:cNvSpPr>
+          <p:nvPr>
+            <p:ph type="hdr" sz="quarter"/>
+          </p:nvPr>
+        </p:nvSpPr>
+        <p:spPr>
+          <a:xfrm>
+            <a:off x="0" y="0"/>
+            <a:ext cx="2971800" cy="458788"/>
+          </a:xfrm>
+          <a:prstGeom prst="rect">
+            <a:avLst/>
+          </a:prstGeom>
+        </p:spPr>
+        <p:txBody>
+          <a:bodyPr vert="horz" lIns="91440" tIns="45720" rIns="91440" bIns="45720" rtlCol="0"/>
+          <a:lstStyle>
+            <a:lvl1pPr algn="l">
+              <a:defRPr sz="1200"/>
+            </a:lvl1pPr>
+          </a:lstStyle>
+          <a:p>
+            <a:endParaRPr lang="en-US"/>
+          </a:p>
+        </p:txBody>
+      </p:sp>
+      <p:sp>
+        <p:nvSpPr>
+          <p:cNvPr id="3" name="Date Placeholder 2"/>
+          <p:cNvSpPr>
+            <a:spLocks noGrp="1"/>
+          </p:cNvSpPr>
+          <p:nvPr>
+            <p:ph type="dt" idx="1"/>
+          </p:nvPr>
+        </p:nvSpPr>
+        <p:spPr>
+          <a:xfrm>
+            <a:off x="3884613" y="0"/>
+            <a:ext cx="2971800" cy="458788"/>
+          </a:xfrm>
+          <a:prstGeom prst="rect">
+            <a:avLst/>
+          </a:prstGeom>
+        </p:spPr>
+        <p:txBody>
+          <a:bodyPr vert="horz" lIns="91440" tIns="45720" rIns="91440" bIns="45720" rtlCol="0"/>
+          <a:lstStyle>
+            <a:lvl1pPr algn="r">
+              <a:defRPr sz="1200"/>
+            </a:lvl1pPr>
+          </a:lstStyle>
+          <a:p>
+            <a:fld id="{3C785864-2159-9247-97A4-191CF25DF71C}" type="datetimeFigureOut">
+              <a:rPr lang="en-US" smtClean="0"/>
+              <a:t>10/21/15</a:t>
+            </a:fld>
+            <a:endParaRPr lang="en-US"/>
+          </a:p>
+        </p:txBody>
+      </p:sp>
+      <p:sp>
+        <p:nvSpPr>
+          <p:cNvPr id="4" name="Slide Image Placeholder 3"/>
+          <p:cNvSpPr>
+            <a:spLocks noGrp="1" noRot="1" noChangeAspect="1"/>
+          </p:cNvSpPr>
+          <p:nvPr>
+            <p:ph type="sldImg" idx="2"/>
+          </p:nvPr>
+        </p:nvSpPr>
+        <p:spPr>
+          <a:xfrm>
+            <a:off x="1371600" y="1143000"/>
+            <a:ext cx="4114800" cy="3086100"/>
+          </a:xfrm>
+          <a:prstGeom prst="rect">
+            <a:avLst/>
+          </a:prstGeom>
+          <a:noFill/>
+          <a:ln w="12700">
+            <a:solidFill>
+              <a:prstClr val="black"/>
+            </a:solidFill>
+          </a:ln>
+        </p:spPr>
+        <p:txBody>
+          <a:bodyPr vert="horz" lIns="91440" tIns="45720" rIns="91440" bIns="45720" rtlCol="0" anchor="ctr"/>
+          <a:lstStyle/>
+          <a:p>
+            <a:endParaRPr lang="en-US"/>
+          </a:p>
+        </p:txBody>
+      </p:sp>
+      <p:sp>
+        <p:nvSpPr>
+          <p:cNvPr id="5" name="Notes Placeholder 4"/>
+          <p:cNvSpPr>
+            <a:spLocks noGrp="1"/>
+          </p:cNvSpPr>
+          <p:nvPr>
+            <p:ph type="body" sz="quarter" idx="3"/>
+          </p:nvPr>
+        </p:nvSpPr>
+        <p:spPr>
+          <a:xfrm>
+            <a:off x="685800" y="4400550"/>
+            <a:ext cx="5486400" cy="3600450"/>
+          </a:xfrm>
+          <a:prstGeom prst="rect">
+            <a:avLst/>
+          </a:prstGeom>
+        </p:spPr>
+        <p:txBody>
+          <a:bodyPr vert="horz" lIns="91440" tIns="45720" rIns="91440" bIns="45720" rtlCol="0"/>
+          <a:lstStyle/>
+          <a:p>
+            <a:pPr lvl="0"/>
+            <a:r>
+              <a:rPr lang="en-GB" smtClean="0"/>
+              <a:t>Click to edit Master text styles</a:t>
+            </a:r>
+          </a:p>
+          <a:p>
+            <a:pPr lvl="1"/>
+            <a:r>
+              <a:rPr lang="en-GB" smtClean="0"/>
+              <a:t>Second level</a:t>
+            </a:r>
+          </a:p>
+          <a:p>
+            <a:pPr lvl="2"/>
+            <a:r>
+              <a:rPr lang="en-GB" smtClean="0"/>
+              <a:t>Third level</a:t>
+            </a:r>
+          </a:p>
+          <a:p>
+            <a:pPr lvl="3"/>
+            <a:r>
+              <a:rPr lang="en-GB" smtClean="0"/>
+              <a:t>Fourth level</a:t>
+            </a:r>
+          </a:p>
+          <a:p>
+            <a:pPr lvl="4"/>
+            <a:r>
+              <a:rPr lang="en-GB" smtClean="0"/>
+              <a:t>Fifth level</a:t>
+            </a:r>
+            <a:endParaRPr lang="en-US"/>
+          </a:p>
+        </p:txBody>
+      </p:sp>
+      <p:sp>
+        <p:nvSpPr>
+          <p:cNvPr id="6" name="Footer Placeholder 5"/>
+          <p:cNvSpPr>
+            <a:spLocks noGrp="1"/>
+          </p:cNvSpPr>
+          <p:nvPr>
+            <p:ph type="ftr" sz="quarter" idx="4"/>
+          </p:nvPr>
+        </p:nvSpPr>
+        <p:spPr>
+          <a:xfrm>
+            <a:off x="0" y="8685213"/>
+            <a:ext cx="2971800" cy="458787"/>
+          </a:xfrm>
+          <a:prstGeom prst="rect">
+            <a:avLst/>
+          </a:prstGeom>
+        </p:spPr>
+        <p:txBody>
+          <a:bodyPr vert="horz" lIns="91440" tIns="45720" rIns="91440" bIns="45720" rtlCol="0" anchor="b"/>
+          <a:lstStyle>
+            <a:lvl1pPr algn="l">
+              <a:defRPr sz="1200"/>
+            </a:lvl1pPr>
+          </a:lstStyle>
+          <a:p>
+            <a:endParaRPr lang="en-US"/>
+          </a:p>
+        </p:txBody>
+      </p:sp>
+      <p:sp>
+        <p:nvSpPr>
+          <p:cNvPr id="7" name="Slide Number Placeholder 6"/>
+          <p:cNvSpPr>
+            <a:spLocks noGrp="1"/>
+          </p:cNvSpPr>
+          <p:nvPr>
+            <p:ph type="sldNum" sz="quarter" idx="5"/>
+          </p:nvPr>
+        </p:nvSpPr>
+        <p:spPr>
+          <a:xfrm>
+            <a:off x="3884613" y="8685213"/>
+            <a:ext cx="2971800" cy="458787"/>
+          </a:xfrm>
+          <a:prstGeom prst="rect">
+            <a:avLst/>
+          </a:prstGeom>
+        </p:spPr>
+        <p:txBody>
+          <a:bodyPr vert="horz" lIns="91440" tIns="45720" rIns="91440" bIns="45720" rtlCol="0" anchor="b"/>
+          <a:lstStyle>
+            <a:lvl1pPr algn="r">
+              <a:defRPr sz="1200"/>
+            </a:lvl1pPr>
+          </a:lstStyle>
+          <a:p>
+            <a:fld id="{471D6D55-8EA9-004D-9C15-CF5ED96CAAE6}" type="slidenum">
+              <a:rPr lang="en-US" smtClean="0"/>
+              <a:t>‹#›</a:t>
+            </a:fld>
+            <a:endParaRPr lang="en-US"/>
+          </a:p>
+        </p:txBody>
+      </p:sp>
+    </p:spTree>
+    <p:extLst>
+      <p:ext uri="{BB962C8B-B14F-4D97-AF65-F5344CB8AC3E}">
+        <p14:creationId xmlns:p14="http://schemas.microsoft.com/office/powerpoint/2010/main" val="1232888792"/>
+      </p:ext>
+    </p:extLst>
+  </p:cSld>
+  <p:clrMap bg1="lt1" tx1="dk1" bg2="lt2" tx2="dk2" accent1="accent1" accent2="accent2" accent3="accent3" accent4="accent4" accent5="accent5" accent6="accent6" hlink="hlink" folHlink="folHlink"/>
+  <p:notesStyle>
+    <a:lvl1pPr marL="0" algn="l" defTabSz="914400" rtl="0" eaLnBrk="1" latinLnBrk="0" hangingPunct="1">
+      <a:defRPr sz="1200" kern="1200">
+        <a:solidFill>
+          <a:schemeClr val="tx1"/>
+        </a:solidFill>
+        <a:latin typeface="+mn-lt"/>
+        <a:ea typeface="+mn-ea"/>
+        <a:cs typeface="+mn-cs"/>
+      </a:defRPr>
+    </a:lvl1pPr>
+    <a:lvl2pPr marL="457200" algn="l" defTabSz="914400" rtl="0" eaLnBrk="1" latinLnBrk="0" hangingPunct="1">
+      <a:defRPr sz="1200" kern="1200">
+        <a:solidFill>
+          <a:schemeClr val="tx1"/>
+        </a:solidFill>
+        <a:latin typeface="+mn-lt"/>
+        <a:ea typeface="+mn-ea"/>
+        <a:cs typeface="+mn-cs"/>
+      </a:defRPr>
+    </a:lvl2pPr>
+    <a:lvl3pPr marL="914400" algn="l" defTabSz="914400" rtl="0" eaLnBrk="1" latinLnBrk="0" hangingPunct="1">
+      <a:defRPr sz="1200" kern="1200">
+        <a:solidFill>
+          <a:schemeClr val="tx1"/>
+        </a:solidFill>
+        <a:latin typeface="+mn-lt"/>
+        <a:ea typeface="+mn-ea"/>
+        <a:cs typeface="+mn-cs"/>
+      </a:defRPr>
+    </a:lvl3pPr>
+    <a:lvl4pPr marL="1371600" algn="l" defTabSz="914400" rtl="0" eaLnBrk="1" latinLnBrk="0" hangingPunct="1">
+      <a:defRPr sz="1200" kern="1200">
+        <a:solidFill>
+          <a:schemeClr val="tx1"/>
+        </a:solidFill>
+        <a:latin typeface="+mn-lt"/>
+        <a:ea typeface="+mn-ea"/>
+        <a:cs typeface="+mn-cs"/>
+      </a:defRPr>
+    </a:lvl4pPr>
+    <a:lvl5pPr marL="1828800" algn="l" defTabSz="914400" rtl="0" eaLnBrk="1" latinLnBrk="0" hangingPunct="1">
+      <a:defRPr sz="1200" kern="1200">
+        <a:solidFill>
+          <a:schemeClr val="tx1"/>
+        </a:solidFill>
+        <a:latin typeface="+mn-lt"/>
+        <a:ea typeface="+mn-ea"/>
+        <a:cs typeface="+mn-cs"/>
+      </a:defRPr>
+    </a:lvl5pPr>
+    <a:lvl6pPr marL="2286000" algn="l" defTabSz="914400" rtl="0" eaLnBrk="1" latinLnBrk="0" hangingPunct="1">
+      <a:defRPr sz="1200" kern="1200">
+        <a:solidFill>
+          <a:schemeClr val="tx1"/>
+        </a:solidFill>
+        <a:latin typeface="+mn-lt"/>
+        <a:ea typeface="+mn-ea"/>
+        <a:cs typeface="+mn-cs"/>
+      </a:defRPr>
+    </a:lvl6pPr>
+    <a:lvl7pPr marL="2743200" algn="l" defTabSz="914400" rtl="0" eaLnBrk="1" latinLnBrk="0" hangingPunct="1">
+      <a:defRPr sz="1200" kern="1200">
+        <a:solidFill>
+          <a:schemeClr val="tx1"/>
+        </a:solidFill>
+        <a:latin typeface="+mn-lt"/>
+        <a:ea typeface="+mn-ea"/>
+        <a:cs typeface="+mn-cs"/>
+      </a:defRPr>
+    </a:lvl7pPr>
+    <a:lvl8pPr marL="3200400" algn="l" defTabSz="914400" rtl="0" eaLnBrk="1" latinLnBrk="0" hangingPunct="1">
+      <a:defRPr sz="1200" kern="1200">
+        <a:solidFill>
+          <a:schemeClr val="tx1"/>
+        </a:solidFill>
+        <a:latin typeface="+mn-lt"/>
+        <a:ea typeface="+mn-ea"/>
+        <a:cs typeface="+mn-cs"/>
+      </a:defRPr>
+    </a:lvl8pPr>
+    <a:lvl9pPr marL="3657600" algn="l" defTabSz="914400" rtl="0" eaLnBrk="1" latinLnBrk="0" hangingPunct="1">
+      <a:defRPr sz="1200" kern="1200">
+        <a:solidFill>
+          <a:schemeClr val="tx1"/>
+        </a:solidFill>
+        <a:latin typeface="+mn-lt"/>
+        <a:ea typeface="+mn-ea"/>
+        <a:cs typeface="+mn-cs"/>
+      </a:defRPr>
+    </a:lvl9pPr>
+  </p:notesStyle>
+</p:notesMaster>
+</file>
+
+<file path=ppt/notesSlides/notesSlide1.xml><?xml version="1.0" encoding="utf-8"?>
+<p:notes xmlns:a="http://schemas.openxmlformats.org/drawingml/2006/main" xmlns:r="http://schemas.openxmlformats.org/officeDocument/2006/relationships" xmlns:p="http://schemas.openxmlformats.org/presentationml/2006/main">
+  <p:cSld>
+    <p:spTree>
+      <p:nvGrpSpPr>
+        <p:cNvPr id="1" name=""/>
+        <p:cNvGrpSpPr/>
+        <p:nvPr/>
+      </p:nvGrpSpPr>
+      <p:grpSpPr>
+        <a:xfrm>
+          <a:off x="0" y="0"/>
+          <a:ext cx="0" cy="0"/>
+          <a:chOff x="0" y="0"/>
+          <a:chExt cx="0" cy="0"/>
+        </a:xfrm>
+      </p:grpSpPr>
+      <p:sp>
+        <p:nvSpPr>
+          <p:cNvPr id="2" name="Slide Image Placeholder 1"/>
+          <p:cNvSpPr>
+            <a:spLocks noGrp="1" noRot="1" noChangeAspect="1"/>
+          </p:cNvSpPr>
+          <p:nvPr>
+            <p:ph type="sldImg"/>
+          </p:nvPr>
+        </p:nvSpPr>
+        <p:spPr/>
+      </p:sp>
+      <p:sp>
+        <p:nvSpPr>
+          <p:cNvPr id="3" name="Notes Placeholder 2"/>
+          <p:cNvSpPr>
+            <a:spLocks noGrp="1"/>
+          </p:cNvSpPr>
+          <p:nvPr>
+            <p:ph type="body" idx="1"/>
+          </p:nvPr>
+        </p:nvSpPr>
+        <p:spPr/>
+        <p:txBody>
+          <a:bodyPr/>
+          <a:lstStyle/>
+          <a:p>
+            <a:r>
+              <a:rPr lang="en-US" dirty="0" smtClean="0"/>
+              <a:t>Eva</a:t>
+            </a:r>
+            <a:endParaRPr lang="en-US" dirty="0"/>
+          </a:p>
+        </p:txBody>
+      </p:sp>
+      <p:sp>
+        <p:nvSpPr>
+          <p:cNvPr id="4" name="Slide Number Placeholder 3"/>
+          <p:cNvSpPr>
+            <a:spLocks noGrp="1"/>
+          </p:cNvSpPr>
+          <p:nvPr>
+            <p:ph type="sldNum" sz="quarter" idx="10"/>
+          </p:nvPr>
+        </p:nvSpPr>
+        <p:spPr/>
+        <p:txBody>
+          <a:bodyPr/>
+          <a:lstStyle/>
+          <a:p>
+            <a:fld id="{471D6D55-8EA9-004D-9C15-CF5ED96CAAE6}" type="slidenum">
+              <a:rPr lang="en-US" smtClean="0"/>
+              <a:t>2</a:t>
+            </a:fld>
+            <a:endParaRPr lang="en-US"/>
+          </a:p>
+        </p:txBody>
+      </p:sp>
+    </p:spTree>
+    <p:extLst>
+      <p:ext uri="{BB962C8B-B14F-4D97-AF65-F5344CB8AC3E}">
+        <p14:creationId xmlns:p14="http://schemas.microsoft.com/office/powerpoint/2010/main" val="92217241"/>
+      </p:ext>
+    </p:extLst>
+  </p:cSld>
+  <p:clrMapOvr>
+    <a:masterClrMapping/>
+  </p:clrMapOvr>
+</p:notes>
+</file>
+
+<file path=ppt/notesSlides/notesSlide2.xml><?xml version="1.0" encoding="utf-8"?>
+<p:notes xmlns:a="http://schemas.openxmlformats.org/drawingml/2006/main" xmlns:r="http://schemas.openxmlformats.org/officeDocument/2006/relationships" xmlns:p="http://schemas.openxmlformats.org/presentationml/2006/main">
+  <p:cSld>
+    <p:spTree>
+      <p:nvGrpSpPr>
+        <p:cNvPr id="1" name=""/>
+        <p:cNvGrpSpPr/>
+        <p:nvPr/>
+      </p:nvGrpSpPr>
+      <p:grpSpPr>
+        <a:xfrm>
+          <a:off x="0" y="0"/>
+          <a:ext cx="0" cy="0"/>
+          <a:chOff x="0" y="0"/>
+          <a:chExt cx="0" cy="0"/>
+        </a:xfrm>
+      </p:grpSpPr>
+      <p:sp>
+        <p:nvSpPr>
+          <p:cNvPr id="2" name="Slide Image Placeholder 1"/>
+          <p:cNvSpPr>
+            <a:spLocks noGrp="1" noRot="1" noChangeAspect="1"/>
+          </p:cNvSpPr>
+          <p:nvPr>
+            <p:ph type="sldImg"/>
+          </p:nvPr>
+        </p:nvSpPr>
+        <p:spPr/>
+      </p:sp>
+      <p:sp>
+        <p:nvSpPr>
+          <p:cNvPr id="3" name="Notes Placeholder 2"/>
+          <p:cNvSpPr>
+            <a:spLocks noGrp="1"/>
+          </p:cNvSpPr>
+          <p:nvPr>
+            <p:ph type="body" idx="1"/>
+          </p:nvPr>
+        </p:nvSpPr>
+        <p:spPr/>
+        <p:txBody>
+          <a:bodyPr/>
+          <a:lstStyle/>
+          <a:p>
+            <a:r>
+              <a:rPr lang="en-US" dirty="0" err="1" smtClean="0"/>
+              <a:t>Waad</a:t>
+            </a:r>
+            <a:endParaRPr lang="en-US" dirty="0"/>
+          </a:p>
+        </p:txBody>
+      </p:sp>
+      <p:sp>
+        <p:nvSpPr>
+          <p:cNvPr id="4" name="Slide Number Placeholder 3"/>
+          <p:cNvSpPr>
+            <a:spLocks noGrp="1"/>
+          </p:cNvSpPr>
+          <p:nvPr>
+            <p:ph type="sldNum" sz="quarter" idx="10"/>
+          </p:nvPr>
+        </p:nvSpPr>
+        <p:spPr/>
+        <p:txBody>
+          <a:bodyPr/>
+          <a:lstStyle/>
+          <a:p>
+            <a:fld id="{471D6D55-8EA9-004D-9C15-CF5ED96CAAE6}" type="slidenum">
+              <a:rPr lang="en-US" smtClean="0"/>
+              <a:t>3</a:t>
+            </a:fld>
+            <a:endParaRPr lang="en-US"/>
+          </a:p>
+        </p:txBody>
+      </p:sp>
+    </p:spTree>
+    <p:extLst>
+      <p:ext uri="{BB962C8B-B14F-4D97-AF65-F5344CB8AC3E}">
+        <p14:creationId xmlns:p14="http://schemas.microsoft.com/office/powerpoint/2010/main" val="1559460000"/>
+      </p:ext>
+    </p:extLst>
+  </p:cSld>
+  <p:clrMapOvr>
+    <a:masterClrMapping/>
+  </p:clrMapOvr>
+</p:notes>
+</file>
+
+<file path=ppt/notesSlides/notesSlide3.xml><?xml version="1.0" encoding="utf-8"?>
+<p:notes xmlns:a="http://schemas.openxmlformats.org/drawingml/2006/main" xmlns:r="http://schemas.openxmlformats.org/officeDocument/2006/relationships" xmlns:p="http://schemas.openxmlformats.org/presentationml/2006/main">
+  <p:cSld>
+    <p:spTree>
+      <p:nvGrpSpPr>
+        <p:cNvPr id="1" name=""/>
+        <p:cNvGrpSpPr/>
+        <p:nvPr/>
+      </p:nvGrpSpPr>
+      <p:grpSpPr>
+        <a:xfrm>
+          <a:off x="0" y="0"/>
+          <a:ext cx="0" cy="0"/>
+          <a:chOff x="0" y="0"/>
+          <a:chExt cx="0" cy="0"/>
+        </a:xfrm>
+      </p:grpSpPr>
+      <p:sp>
+        <p:nvSpPr>
+          <p:cNvPr id="2" name="Slide Image Placeholder 1"/>
+          <p:cNvSpPr>
+            <a:spLocks noGrp="1" noRot="1" noChangeAspect="1"/>
+          </p:cNvSpPr>
+          <p:nvPr>
+            <p:ph type="sldImg"/>
+          </p:nvPr>
+        </p:nvSpPr>
+        <p:spPr/>
+      </p:sp>
+      <p:sp>
+        <p:nvSpPr>
+          <p:cNvPr id="3" name="Notes Placeholder 2"/>
+          <p:cNvSpPr>
+            <a:spLocks noGrp="1"/>
+          </p:cNvSpPr>
+          <p:nvPr>
+            <p:ph type="body" idx="1"/>
+          </p:nvPr>
+        </p:nvSpPr>
+        <p:spPr/>
+        <p:txBody>
+          <a:bodyPr/>
+          <a:lstStyle/>
+          <a:p>
+            <a:r>
+              <a:rPr lang="en-US" dirty="0" smtClean="0"/>
+              <a:t>Sam</a:t>
+            </a:r>
+            <a:endParaRPr lang="en-US" dirty="0"/>
+          </a:p>
+        </p:txBody>
+      </p:sp>
+      <p:sp>
+        <p:nvSpPr>
+          <p:cNvPr id="4" name="Slide Number Placeholder 3"/>
+          <p:cNvSpPr>
+            <a:spLocks noGrp="1"/>
+          </p:cNvSpPr>
+          <p:nvPr>
+            <p:ph type="sldNum" sz="quarter" idx="10"/>
+          </p:nvPr>
+        </p:nvSpPr>
+        <p:spPr/>
+        <p:txBody>
+          <a:bodyPr/>
+          <a:lstStyle/>
+          <a:p>
+            <a:fld id="{471D6D55-8EA9-004D-9C15-CF5ED96CAAE6}" type="slidenum">
+              <a:rPr lang="en-US" smtClean="0"/>
+              <a:t>4</a:t>
+            </a:fld>
+            <a:endParaRPr lang="en-US"/>
+          </a:p>
+        </p:txBody>
+      </p:sp>
+    </p:spTree>
+    <p:extLst>
+      <p:ext uri="{BB962C8B-B14F-4D97-AF65-F5344CB8AC3E}">
+        <p14:creationId xmlns:p14="http://schemas.microsoft.com/office/powerpoint/2010/main" val="209899407"/>
+      </p:ext>
+    </p:extLst>
+  </p:cSld>
+  <p:clrMapOvr>
+    <a:masterClrMapping/>
+  </p:clrMapOvr>
+</p:notes>
+</file>
+
+<file path=ppt/notesSlides/notesSlide4.xml><?xml version="1.0" encoding="utf-8"?>
+<p:notes xmlns:a="http://schemas.openxmlformats.org/drawingml/2006/main" xmlns:r="http://schemas.openxmlformats.org/officeDocument/2006/relationships" xmlns:p="http://schemas.openxmlformats.org/presentationml/2006/main">
+  <p:cSld>
+    <p:spTree>
+      <p:nvGrpSpPr>
+        <p:cNvPr id="1" name=""/>
+        <p:cNvGrpSpPr/>
+        <p:nvPr/>
+      </p:nvGrpSpPr>
+      <p:grpSpPr>
+        <a:xfrm>
+          <a:off x="0" y="0"/>
+          <a:ext cx="0" cy="0"/>
+          <a:chOff x="0" y="0"/>
+          <a:chExt cx="0" cy="0"/>
+        </a:xfrm>
+      </p:grpSpPr>
+      <p:sp>
+        <p:nvSpPr>
+          <p:cNvPr id="2" name="Slide Image Placeholder 1"/>
+          <p:cNvSpPr>
+            <a:spLocks noGrp="1" noRot="1" noChangeAspect="1"/>
+          </p:cNvSpPr>
+          <p:nvPr>
+            <p:ph type="sldImg"/>
+          </p:nvPr>
+        </p:nvSpPr>
+        <p:spPr/>
+      </p:sp>
+      <p:sp>
+        <p:nvSpPr>
+          <p:cNvPr id="3" name="Notes Placeholder 2"/>
+          <p:cNvSpPr>
+            <a:spLocks noGrp="1"/>
+          </p:cNvSpPr>
+          <p:nvPr>
+            <p:ph type="body" idx="1"/>
+          </p:nvPr>
+        </p:nvSpPr>
+        <p:spPr/>
+        <p:txBody>
+          <a:bodyPr/>
+          <a:lstStyle/>
+          <a:p>
+            <a:r>
+              <a:rPr lang="en-US" dirty="0" err="1" smtClean="0"/>
+              <a:t>Carwyn</a:t>
+            </a:r>
+            <a:endParaRPr lang="en-US" dirty="0"/>
+          </a:p>
+        </p:txBody>
+      </p:sp>
+      <p:sp>
+        <p:nvSpPr>
+          <p:cNvPr id="4" name="Slide Number Placeholder 3"/>
+          <p:cNvSpPr>
+            <a:spLocks noGrp="1"/>
+          </p:cNvSpPr>
+          <p:nvPr>
+            <p:ph type="sldNum" sz="quarter" idx="10"/>
+          </p:nvPr>
+        </p:nvSpPr>
+        <p:spPr/>
+        <p:txBody>
+          <a:bodyPr/>
+          <a:lstStyle/>
+          <a:p>
+            <a:fld id="{471D6D55-8EA9-004D-9C15-CF5ED96CAAE6}" type="slidenum">
+              <a:rPr lang="en-US" smtClean="0"/>
+              <a:t>5</a:t>
+            </a:fld>
+            <a:endParaRPr lang="en-US"/>
+          </a:p>
+        </p:txBody>
+      </p:sp>
+    </p:spTree>
+    <p:extLst>
+      <p:ext uri="{BB962C8B-B14F-4D97-AF65-F5344CB8AC3E}">
+        <p14:creationId xmlns:p14="http://schemas.microsoft.com/office/powerpoint/2010/main" val="1611185075"/>
+      </p:ext>
+    </p:extLst>
+  </p:cSld>
+  <p:clrMapOvr>
+    <a:masterClrMapping/>
+  </p:clrMapOvr>
+</p:notes>
+</file>
+
+<file path=ppt/notesSlides/notesSlide5.xml><?xml version="1.0" encoding="utf-8"?>
+<p:notes xmlns:a="http://schemas.openxmlformats.org/drawingml/2006/main" xmlns:r="http://schemas.openxmlformats.org/officeDocument/2006/relationships" xmlns:p="http://schemas.openxmlformats.org/presentationml/2006/main">
+  <p:cSld>
+    <p:spTree>
+      <p:nvGrpSpPr>
+        <p:cNvPr id="1" name=""/>
+        <p:cNvGrpSpPr/>
+        <p:nvPr/>
+      </p:nvGrpSpPr>
+      <p:grpSpPr>
+        <a:xfrm>
+          <a:off x="0" y="0"/>
+          <a:ext cx="0" cy="0"/>
+          <a:chOff x="0" y="0"/>
+          <a:chExt cx="0" cy="0"/>
+        </a:xfrm>
+      </p:grpSpPr>
+      <p:sp>
+        <p:nvSpPr>
+          <p:cNvPr id="2" name="Slide Image Placeholder 1"/>
+          <p:cNvSpPr>
+            <a:spLocks noGrp="1" noRot="1" noChangeAspect="1"/>
+          </p:cNvSpPr>
+          <p:nvPr>
+            <p:ph type="sldImg"/>
+          </p:nvPr>
+        </p:nvSpPr>
+        <p:spPr/>
+      </p:sp>
+      <p:sp>
+        <p:nvSpPr>
+          <p:cNvPr id="3" name="Notes Placeholder 2"/>
+          <p:cNvSpPr>
+            <a:spLocks noGrp="1"/>
+          </p:cNvSpPr>
+          <p:nvPr>
+            <p:ph type="body" idx="1"/>
+          </p:nvPr>
+        </p:nvSpPr>
+        <p:spPr/>
+        <p:txBody>
+          <a:bodyPr/>
+          <a:lstStyle/>
+          <a:p>
+            <a:r>
+              <a:rPr lang="en-US" dirty="0" smtClean="0"/>
+              <a:t>Dan</a:t>
+            </a:r>
+            <a:endParaRPr lang="en-US" dirty="0"/>
+          </a:p>
+        </p:txBody>
+      </p:sp>
+      <p:sp>
+        <p:nvSpPr>
+          <p:cNvPr id="4" name="Slide Number Placeholder 3"/>
+          <p:cNvSpPr>
+            <a:spLocks noGrp="1"/>
+          </p:cNvSpPr>
+          <p:nvPr>
+            <p:ph type="sldNum" sz="quarter" idx="10"/>
+          </p:nvPr>
+        </p:nvSpPr>
+        <p:spPr/>
+        <p:txBody>
+          <a:bodyPr/>
+          <a:lstStyle/>
+          <a:p>
+            <a:fld id="{471D6D55-8EA9-004D-9C15-CF5ED96CAAE6}" type="slidenum">
+              <a:rPr lang="en-US" smtClean="0"/>
+              <a:t>6</a:t>
+            </a:fld>
+            <a:endParaRPr lang="en-US"/>
+          </a:p>
+        </p:txBody>
+      </p:sp>
+    </p:spTree>
+    <p:extLst>
+      <p:ext uri="{BB962C8B-B14F-4D97-AF65-F5344CB8AC3E}">
+        <p14:creationId xmlns:p14="http://schemas.microsoft.com/office/powerpoint/2010/main" val="2003431115"/>
+      </p:ext>
+    </p:extLst>
+  </p:cSld>
+  <p:clrMapOvr>
+    <a:masterClrMapping/>
+  </p:clrMapOvr>
+</p:notes>
+</file>
+
+<file path=ppt/notesSlides/notesSlide6.xml><?xml version="1.0" encoding="utf-8"?>
+<p:notes xmlns:a="http://schemas.openxmlformats.org/drawingml/2006/main" xmlns:r="http://schemas.openxmlformats.org/officeDocument/2006/relationships" xmlns:p="http://schemas.openxmlformats.org/presentationml/2006/main">
+  <p:cSld>
+    <p:spTree>
+      <p:nvGrpSpPr>
+        <p:cNvPr id="1" name=""/>
+        <p:cNvGrpSpPr/>
+        <p:nvPr/>
+      </p:nvGrpSpPr>
+      <p:grpSpPr>
+        <a:xfrm>
+          <a:off x="0" y="0"/>
+          <a:ext cx="0" cy="0"/>
+          <a:chOff x="0" y="0"/>
+          <a:chExt cx="0" cy="0"/>
+        </a:xfrm>
+      </p:grpSpPr>
+      <p:sp>
+        <p:nvSpPr>
+          <p:cNvPr id="2" name="Slide Image Placeholder 1"/>
+          <p:cNvSpPr>
+            <a:spLocks noGrp="1" noRot="1" noChangeAspect="1"/>
+          </p:cNvSpPr>
+          <p:nvPr>
+            <p:ph type="sldImg"/>
+          </p:nvPr>
+        </p:nvSpPr>
+        <p:spPr/>
+      </p:sp>
+      <p:sp>
+        <p:nvSpPr>
+          <p:cNvPr id="3" name="Notes Placeholder 2"/>
+          <p:cNvSpPr>
+            <a:spLocks noGrp="1"/>
+          </p:cNvSpPr>
+          <p:nvPr>
+            <p:ph type="body" idx="1"/>
+          </p:nvPr>
+        </p:nvSpPr>
+        <p:spPr/>
+        <p:txBody>
+          <a:bodyPr/>
+          <a:lstStyle/>
+          <a:p>
+            <a:r>
+              <a:rPr lang="en-US" dirty="0" smtClean="0"/>
+              <a:t>Jordan</a:t>
+            </a:r>
+            <a:endParaRPr lang="en-US" dirty="0"/>
+          </a:p>
+        </p:txBody>
+      </p:sp>
+      <p:sp>
+        <p:nvSpPr>
+          <p:cNvPr id="4" name="Slide Number Placeholder 3"/>
+          <p:cNvSpPr>
+            <a:spLocks noGrp="1"/>
+          </p:cNvSpPr>
+          <p:nvPr>
+            <p:ph type="sldNum" sz="quarter" idx="10"/>
+          </p:nvPr>
+        </p:nvSpPr>
+        <p:spPr/>
+        <p:txBody>
+          <a:bodyPr/>
+          <a:lstStyle/>
+          <a:p>
+            <a:fld id="{471D6D55-8EA9-004D-9C15-CF5ED96CAAE6}" type="slidenum">
+              <a:rPr lang="en-US" smtClean="0"/>
+              <a:t>7</a:t>
+            </a:fld>
+            <a:endParaRPr lang="en-US"/>
+          </a:p>
+        </p:txBody>
+      </p:sp>
+    </p:spTree>
+    <p:extLst>
+      <p:ext uri="{BB962C8B-B14F-4D97-AF65-F5344CB8AC3E}">
+        <p14:creationId xmlns:p14="http://schemas.microsoft.com/office/powerpoint/2010/main" val="145571363"/>
+      </p:ext>
+    </p:extLst>
+  </p:cSld>
+  <p:clrMapOvr>
+    <a:masterClrMapping/>
+  </p:clrMapOvr>
+</p:notes>
+</file>
+
+<file path=ppt/notesSlides/notesSlide7.xml><?xml version="1.0" encoding="utf-8"?>
+<p:notes xmlns:a="http://schemas.openxmlformats.org/drawingml/2006/main" xmlns:r="http://schemas.openxmlformats.org/officeDocument/2006/relationships" xmlns:p="http://schemas.openxmlformats.org/presentationml/2006/main">
+  <p:cSld>
+    <p:spTree>
+      <p:nvGrpSpPr>
+        <p:cNvPr id="1" name=""/>
+        <p:cNvGrpSpPr/>
+        <p:nvPr/>
+      </p:nvGrpSpPr>
+      <p:grpSpPr>
+        <a:xfrm>
+          <a:off x="0" y="0"/>
+          <a:ext cx="0" cy="0"/>
+          <a:chOff x="0" y="0"/>
+          <a:chExt cx="0" cy="0"/>
+        </a:xfrm>
+      </p:grpSpPr>
+      <p:sp>
+        <p:nvSpPr>
+          <p:cNvPr id="2" name="Slide Image Placeholder 1"/>
+          <p:cNvSpPr>
+            <a:spLocks noGrp="1" noRot="1" noChangeAspect="1"/>
+          </p:cNvSpPr>
+          <p:nvPr>
+            <p:ph type="sldImg"/>
+          </p:nvPr>
+        </p:nvSpPr>
+        <p:spPr/>
+      </p:sp>
+      <p:sp>
+        <p:nvSpPr>
+          <p:cNvPr id="3" name="Notes Placeholder 2"/>
+          <p:cNvSpPr>
+            <a:spLocks noGrp="1"/>
+          </p:cNvSpPr>
+          <p:nvPr>
+            <p:ph type="body" idx="1"/>
+          </p:nvPr>
+        </p:nvSpPr>
+        <p:spPr/>
+        <p:txBody>
+          <a:bodyPr/>
+          <a:lstStyle/>
+          <a:p>
+            <a:r>
+              <a:rPr lang="en-US" dirty="0" smtClean="0"/>
+              <a:t>Sam</a:t>
+            </a:r>
+            <a:endParaRPr lang="en-US" dirty="0"/>
+          </a:p>
+        </p:txBody>
+      </p:sp>
+      <p:sp>
+        <p:nvSpPr>
+          <p:cNvPr id="4" name="Slide Number Placeholder 3"/>
+          <p:cNvSpPr>
+            <a:spLocks noGrp="1"/>
+          </p:cNvSpPr>
+          <p:nvPr>
+            <p:ph type="sldNum" sz="quarter" idx="10"/>
+          </p:nvPr>
+        </p:nvSpPr>
+        <p:spPr/>
+        <p:txBody>
+          <a:bodyPr/>
+          <a:lstStyle/>
+          <a:p>
+            <a:fld id="{471D6D55-8EA9-004D-9C15-CF5ED96CAAE6}" type="slidenum">
+              <a:rPr lang="en-US" smtClean="0"/>
+              <a:t>8</a:t>
+            </a:fld>
+            <a:endParaRPr lang="en-US"/>
+          </a:p>
+        </p:txBody>
+      </p:sp>
+    </p:spTree>
+    <p:extLst>
+      <p:ext uri="{BB962C8B-B14F-4D97-AF65-F5344CB8AC3E}">
+        <p14:creationId xmlns:p14="http://schemas.microsoft.com/office/powerpoint/2010/main" val="634024008"/>
+      </p:ext>
+    </p:extLst>
+  </p:cSld>
+  <p:clrMapOvr>
+    <a:masterClrMapping/>
+  </p:clrMapOvr>
+</p:notes>
+</file>
+
+<file path=ppt/notesSlides/notesSlide8.xml><?xml version="1.0" encoding="utf-8"?>
+<p:notes xmlns:a="http://schemas.openxmlformats.org/drawingml/2006/main" xmlns:r="http://schemas.openxmlformats.org/officeDocument/2006/relationships" xmlns:p="http://schemas.openxmlformats.org/presentationml/2006/main">
+  <p:cSld>
+    <p:spTree>
+      <p:nvGrpSpPr>
+        <p:cNvPr id="1" name=""/>
+        <p:cNvGrpSpPr/>
+        <p:nvPr/>
+      </p:nvGrpSpPr>
+      <p:grpSpPr>
+        <a:xfrm>
+          <a:off x="0" y="0"/>
+          <a:ext cx="0" cy="0"/>
+          <a:chOff x="0" y="0"/>
+          <a:chExt cx="0" cy="0"/>
+        </a:xfrm>
+      </p:grpSpPr>
+      <p:sp>
+        <p:nvSpPr>
+          <p:cNvPr id="2" name="Slide Image Placeholder 1"/>
+          <p:cNvSpPr>
+            <a:spLocks noGrp="1" noRot="1" noChangeAspect="1"/>
+          </p:cNvSpPr>
+          <p:nvPr>
+            <p:ph type="sldImg"/>
+          </p:nvPr>
+        </p:nvSpPr>
+        <p:spPr/>
+      </p:sp>
+      <p:sp>
+        <p:nvSpPr>
+          <p:cNvPr id="3" name="Notes Placeholder 2"/>
+          <p:cNvSpPr>
+            <a:spLocks noGrp="1"/>
+          </p:cNvSpPr>
+          <p:nvPr>
+            <p:ph type="body" idx="1"/>
+          </p:nvPr>
+        </p:nvSpPr>
+        <p:spPr/>
+        <p:txBody>
+          <a:bodyPr/>
+          <a:lstStyle/>
+          <a:p>
+            <a:r>
+              <a:rPr lang="en-US" dirty="0" err="1" smtClean="0"/>
+              <a:t>Angelos</a:t>
+            </a:r>
+            <a:endParaRPr lang="en-US" dirty="0"/>
+          </a:p>
+        </p:txBody>
+      </p:sp>
+      <p:sp>
+        <p:nvSpPr>
+          <p:cNvPr id="4" name="Slide Number Placeholder 3"/>
+          <p:cNvSpPr>
+            <a:spLocks noGrp="1"/>
+          </p:cNvSpPr>
+          <p:nvPr>
+            <p:ph type="sldNum" sz="quarter" idx="10"/>
+          </p:nvPr>
+        </p:nvSpPr>
+        <p:spPr/>
+        <p:txBody>
+          <a:bodyPr/>
+          <a:lstStyle/>
+          <a:p>
+            <a:fld id="{471D6D55-8EA9-004D-9C15-CF5ED96CAAE6}" type="slidenum">
+              <a:rPr lang="en-US" smtClean="0"/>
+              <a:t>9</a:t>
+            </a:fld>
+            <a:endParaRPr lang="en-US"/>
+          </a:p>
+        </p:txBody>
+      </p:sp>
+    </p:spTree>
+    <p:extLst>
+      <p:ext uri="{BB962C8B-B14F-4D97-AF65-F5344CB8AC3E}">
+        <p14:creationId xmlns:p14="http://schemas.microsoft.com/office/powerpoint/2010/main" val="227646042"/>
+      </p:ext>
+    </p:extLst>
+  </p:cSld>
+  <p:clrMapOvr>
+    <a:masterClrMapping/>
+  </p:clrMapOvr>
+</p:notes>
+</file>
+
+<file path=ppt/notesSlides/notesSlide9.xml><?xml version="1.0" encoding="utf-8"?>
+<p:notes xmlns:a="http://schemas.openxmlformats.org/drawingml/2006/main" xmlns:r="http://schemas.openxmlformats.org/officeDocument/2006/relationships" xmlns:p="http://schemas.openxmlformats.org/presentationml/2006/main">
+  <p:cSld>
+    <p:spTree>
+      <p:nvGrpSpPr>
+        <p:cNvPr id="1" name=""/>
+        <p:cNvGrpSpPr/>
+        <p:nvPr/>
+      </p:nvGrpSpPr>
+      <p:grpSpPr>
+        <a:xfrm>
+          <a:off x="0" y="0"/>
+          <a:ext cx="0" cy="0"/>
+          <a:chOff x="0" y="0"/>
+          <a:chExt cx="0" cy="0"/>
+        </a:xfrm>
+      </p:grpSpPr>
+      <p:sp>
+        <p:nvSpPr>
+          <p:cNvPr id="2" name="Slide Image Placeholder 1"/>
+          <p:cNvSpPr>
+            <a:spLocks noGrp="1" noRot="1" noChangeAspect="1"/>
+          </p:cNvSpPr>
+          <p:nvPr>
+            <p:ph type="sldImg"/>
+          </p:nvPr>
+        </p:nvSpPr>
+        <p:spPr/>
+      </p:sp>
+      <p:sp>
+        <p:nvSpPr>
+          <p:cNvPr id="3" name="Notes Placeholder 2"/>
+          <p:cNvSpPr>
+            <a:spLocks noGrp="1"/>
+          </p:cNvSpPr>
+          <p:nvPr>
+            <p:ph type="body" idx="1"/>
+          </p:nvPr>
+        </p:nvSpPr>
+        <p:spPr/>
+        <p:txBody>
+          <a:bodyPr/>
+          <a:lstStyle/>
+          <a:p>
+            <a:r>
+              <a:rPr lang="en-US" dirty="0" smtClean="0"/>
+              <a:t>Jordan</a:t>
+            </a:r>
+            <a:endParaRPr lang="en-US" dirty="0"/>
+          </a:p>
+        </p:txBody>
+      </p:sp>
+      <p:sp>
+        <p:nvSpPr>
+          <p:cNvPr id="4" name="Slide Number Placeholder 3"/>
+          <p:cNvSpPr>
+            <a:spLocks noGrp="1"/>
+          </p:cNvSpPr>
+          <p:nvPr>
+            <p:ph type="sldNum" sz="quarter" idx="10"/>
+          </p:nvPr>
+        </p:nvSpPr>
+        <p:spPr/>
+        <p:txBody>
+          <a:bodyPr/>
+          <a:lstStyle/>
+          <a:p>
+            <a:fld id="{471D6D55-8EA9-004D-9C15-CF5ED96CAAE6}" type="slidenum">
+              <a:rPr lang="en-US" smtClean="0"/>
+              <a:t>10</a:t>
+            </a:fld>
+            <a:endParaRPr lang="en-US"/>
+          </a:p>
+        </p:txBody>
+      </p:sp>
+    </p:spTree>
+    <p:extLst>
+      <p:ext uri="{BB962C8B-B14F-4D97-AF65-F5344CB8AC3E}">
+        <p14:creationId xmlns:p14="http://schemas.microsoft.com/office/powerpoint/2010/main" val="1953792012"/>
+      </p:ext>
+    </p:extLst>
+  </p:cSld>
+  <p:clrMapOvr>
+    <a:masterClrMapping/>
+  </p:clrMapOvr>
+</p:notes>
+</file>
+
 <file path=ppt/slideLayouts/slideLayout1.xml><?xml version="1.0" encoding="utf-8"?>
 <p:sldLayout xmlns:a="http://schemas.openxmlformats.org/drawingml/2006/main" xmlns:r="http://schemas.openxmlformats.org/officeDocument/2006/relationships" xmlns:p="http://schemas.openxmlformats.org/presentationml/2006/main" type="title" preserve="1">
   <p:cSld name="Title Slide">
@@ -397,7 +1545,7 @@
           <a:p>
             <a:fld id="{A12562AF-F5D7-2248-82C5-3396507DF342}" type="datetimeFigureOut">
               <a:rPr lang="en-US" smtClean="0"/>
-              <a:t>10/20/15</a:t>
+              <a:t>10/21/15</a:t>
             </a:fld>
             <a:endParaRPr lang="en-US"/>
           </a:p>
@@ -834,7 +1982,7 @@
           <a:p>
             <a:fld id="{A12562AF-F5D7-2248-82C5-3396507DF342}" type="datetimeFigureOut">
               <a:rPr lang="en-US" smtClean="0"/>
-              <a:t>10/20/15</a:t>
+              <a:t>10/21/15</a:t>
             </a:fld>
             <a:endParaRPr lang="en-US"/>
           </a:p>
@@ -1183,7 +2331,7 @@
           <a:p>
             <a:fld id="{A12562AF-F5D7-2248-82C5-3396507DF342}" type="datetimeFigureOut">
               <a:rPr lang="en-US" smtClean="0"/>
-              <a:t>10/20/15</a:t>
+              <a:t>10/21/15</a:t>
             </a:fld>
             <a:endParaRPr lang="en-US"/>
           </a:p>
@@ -1601,7 +2749,7 @@
           <a:p>
             <a:fld id="{A12562AF-F5D7-2248-82C5-3396507DF342}" type="datetimeFigureOut">
               <a:rPr lang="en-US" smtClean="0"/>
-              <a:t>10/20/15</a:t>
+              <a:t>10/21/15</a:t>
             </a:fld>
             <a:endParaRPr lang="en-US"/>
           </a:p>
@@ -2182,7 +3330,7 @@
           <a:p>
             <a:fld id="{A12562AF-F5D7-2248-82C5-3396507DF342}" type="datetimeFigureOut">
               <a:rPr lang="en-US" smtClean="0"/>
-              <a:t>10/20/15</a:t>
+              <a:t>10/21/15</a:t>
             </a:fld>
             <a:endParaRPr lang="en-US"/>
           </a:p>
@@ -2876,7 +4024,7 @@
           <a:p>
             <a:fld id="{A12562AF-F5D7-2248-82C5-3396507DF342}" type="datetimeFigureOut">
               <a:rPr lang="en-US" smtClean="0"/>
-              <a:t>10/20/15</a:t>
+              <a:t>10/21/15</a:t>
             </a:fld>
             <a:endParaRPr lang="en-US"/>
           </a:p>
@@ -3802,7 +4950,7 @@
           <a:p>
             <a:fld id="{A12562AF-F5D7-2248-82C5-3396507DF342}" type="datetimeFigureOut">
               <a:rPr lang="en-US" smtClean="0"/>
-              <a:t>10/20/15</a:t>
+              <a:t>10/21/15</a:t>
             </a:fld>
             <a:endParaRPr lang="en-US"/>
           </a:p>
@@ -4133,7 +5281,7 @@
           <a:p>
             <a:fld id="{A12562AF-F5D7-2248-82C5-3396507DF342}" type="datetimeFigureOut">
               <a:rPr lang="en-US" smtClean="0"/>
-              <a:t>10/20/15</a:t>
+              <a:t>10/21/15</a:t>
             </a:fld>
             <a:endParaRPr lang="en-US"/>
           </a:p>
@@ -4412,7 +5560,7 @@
           <a:p>
             <a:fld id="{A12562AF-F5D7-2248-82C5-3396507DF342}" type="datetimeFigureOut">
               <a:rPr lang="en-US" smtClean="0"/>
-              <a:t>10/20/15</a:t>
+              <a:t>10/21/15</a:t>
             </a:fld>
             <a:endParaRPr lang="en-US"/>
           </a:p>
@@ -4753,7 +5901,7 @@
           <a:p>
             <a:fld id="{A12562AF-F5D7-2248-82C5-3396507DF342}" type="datetimeFigureOut">
               <a:rPr lang="en-US" smtClean="0"/>
-              <a:t>10/20/15</a:t>
+              <a:t>10/21/15</a:t>
             </a:fld>
             <a:endParaRPr lang="en-US"/>
           </a:p>
@@ -5160,7 +6308,7 @@
           <a:p>
             <a:fld id="{A12562AF-F5D7-2248-82C5-3396507DF342}" type="datetimeFigureOut">
               <a:rPr lang="en-US" smtClean="0"/>
-              <a:t>10/20/15</a:t>
+              <a:t>10/21/15</a:t>
             </a:fld>
             <a:endParaRPr lang="en-US"/>
           </a:p>
@@ -5564,7 +6712,7 @@
           <a:p>
             <a:fld id="{A12562AF-F5D7-2248-82C5-3396507DF342}" type="datetimeFigureOut">
               <a:rPr lang="en-US" smtClean="0"/>
-              <a:t>10/20/15</a:t>
+              <a:t>10/21/15</a:t>
             </a:fld>
             <a:endParaRPr lang="en-US"/>
           </a:p>
@@ -6088,7 +7236,7 @@
           <a:p>
             <a:fld id="{A12562AF-F5D7-2248-82C5-3396507DF342}" type="datetimeFigureOut">
               <a:rPr lang="en-US" smtClean="0"/>
-              <a:t>10/20/15</a:t>
+              <a:t>10/21/15</a:t>
             </a:fld>
             <a:endParaRPr lang="en-US"/>
           </a:p>
@@ -6363,7 +7511,7 @@
           <a:p>
             <a:fld id="{A12562AF-F5D7-2248-82C5-3396507DF342}" type="datetimeFigureOut">
               <a:rPr lang="en-US" smtClean="0"/>
-              <a:t>10/20/15</a:t>
+              <a:t>10/21/15</a:t>
             </a:fld>
             <a:endParaRPr lang="en-US"/>
           </a:p>
@@ -6525,7 +7673,7 @@
           <a:p>
             <a:fld id="{A12562AF-F5D7-2248-82C5-3396507DF342}" type="datetimeFigureOut">
               <a:rPr lang="en-US" smtClean="0"/>
-              <a:t>10/20/15</a:t>
+              <a:t>10/21/15</a:t>
             </a:fld>
             <a:endParaRPr lang="en-US"/>
           </a:p>
@@ -6933,7 +8081,7 @@
           <a:p>
             <a:fld id="{A12562AF-F5D7-2248-82C5-3396507DF342}" type="datetimeFigureOut">
               <a:rPr lang="en-US" smtClean="0"/>
-              <a:t>10/20/15</a:t>
+              <a:t>10/21/15</a:t>
             </a:fld>
             <a:endParaRPr lang="en-US"/>
           </a:p>
@@ -7360,7 +8508,7 @@
           <a:p>
             <a:fld id="{A12562AF-F5D7-2248-82C5-3396507DF342}" type="datetimeFigureOut">
               <a:rPr lang="en-US" smtClean="0"/>
-              <a:t>10/20/15</a:t>
+              <a:t>10/21/15</a:t>
             </a:fld>
             <a:endParaRPr lang="en-US"/>
           </a:p>
@@ -7614,7 +8762,7 @@
           <a:p>
             <a:fld id="{A12562AF-F5D7-2248-82C5-3396507DF342}" type="datetimeFigureOut">
               <a:rPr lang="en-US" smtClean="0"/>
-              <a:t>10/20/15</a:t>
+              <a:t>10/21/15</a:t>
             </a:fld>
             <a:endParaRPr lang="en-US"/>
           </a:p>
@@ -8236,6 +9384,216 @@
 </p:sld>
 </file>
 
+<file path=ppt/slides/slide10.xml><?xml version="1.0" encoding="utf-8"?>
+<p:sld xmlns:a="http://schemas.openxmlformats.org/drawingml/2006/main" xmlns:r="http://schemas.openxmlformats.org/officeDocument/2006/relationships" xmlns:p="http://schemas.openxmlformats.org/presentationml/2006/main" showMasterSp="0">
+  <p:cSld>
+    <p:bg>
+      <p:bgPr>
+        <a:solidFill>
+          <a:schemeClr val="tx1"/>
+        </a:solidFill>
+        <a:effectLst/>
+      </p:bgPr>
+    </p:bg>
+    <p:spTree>
+      <p:nvGrpSpPr>
+        <p:cNvPr id="1" name=""/>
+        <p:cNvGrpSpPr/>
+        <p:nvPr/>
+      </p:nvGrpSpPr>
+      <p:grpSpPr>
+        <a:xfrm>
+          <a:off x="0" y="0"/>
+          <a:ext cx="0" cy="0"/>
+          <a:chOff x="0" y="0"/>
+          <a:chExt cx="0" cy="0"/>
+        </a:xfrm>
+      </p:grpSpPr>
+      <p:sp>
+        <p:nvSpPr>
+          <p:cNvPr id="4" name="Title 1"/>
+          <p:cNvSpPr txBox="1">
+            <a:spLocks/>
+          </p:cNvSpPr>
+          <p:nvPr/>
+        </p:nvSpPr>
+        <p:spPr>
+          <a:xfrm>
+            <a:off x="0" y="905628"/>
+            <a:ext cx="9143999" cy="1080938"/>
+          </a:xfrm>
+          <a:prstGeom prst="rect">
+            <a:avLst/>
+          </a:prstGeom>
+        </p:spPr>
+        <p:txBody>
+          <a:bodyPr vert="horz" lIns="91440" tIns="45720" rIns="91440" bIns="45720" rtlCol="0" anchor="ctr">
+            <a:normAutofit/>
+          </a:bodyPr>
+          <a:lstStyle>
+            <a:lvl1pPr algn="l" defTabSz="914400" rtl="0" eaLnBrk="1" latinLnBrk="0" hangingPunct="1">
+              <a:lnSpc>
+                <a:spcPct val="90000"/>
+              </a:lnSpc>
+              <a:spcBef>
+                <a:spcPct val="0"/>
+              </a:spcBef>
+              <a:buNone/>
+              <a:defRPr sz="3600" kern="1200">
+                <a:solidFill>
+                  <a:schemeClr val="tx1"/>
+                </a:solidFill>
+                <a:latin typeface="+mj-lt"/>
+                <a:ea typeface="+mj-ea"/>
+                <a:cs typeface="+mj-cs"/>
+              </a:defRPr>
+            </a:lvl1pPr>
+          </a:lstStyle>
+          <a:p>
+            <a:pPr algn="ctr"/>
+            <a:r>
+              <a:rPr lang="en-US" sz="6000" b="1" spc="50" dirty="0" smtClean="0">
+                <a:ln w="9525" cmpd="sng">
+                  <a:solidFill>
+                    <a:schemeClr val="accent1"/>
+                  </a:solidFill>
+                  <a:prstDash val="solid"/>
+                </a:ln>
+                <a:solidFill>
+                  <a:srgbClr val="70AD47">
+                    <a:tint val="1000"/>
+                  </a:srgbClr>
+                </a:solidFill>
+                <a:effectLst>
+                  <a:glow rad="38100">
+                    <a:schemeClr val="accent1">
+                      <a:alpha val="40000"/>
+                    </a:schemeClr>
+                  </a:glow>
+                </a:effectLst>
+              </a:rPr>
+              <a:t>Questions?</a:t>
+            </a:r>
+            <a:endParaRPr lang="en-US" sz="6000" b="1" spc="50" dirty="0">
+              <a:ln w="9525" cmpd="sng">
+                <a:solidFill>
+                  <a:schemeClr val="accent1"/>
+                </a:solidFill>
+                <a:prstDash val="solid"/>
+              </a:ln>
+              <a:solidFill>
+                <a:srgbClr val="70AD47">
+                  <a:tint val="1000"/>
+                </a:srgbClr>
+              </a:solidFill>
+              <a:effectLst>
+                <a:glow rad="38100">
+                  <a:schemeClr val="accent1">
+                    <a:alpha val="40000"/>
+                  </a:schemeClr>
+                </a:glow>
+              </a:effectLst>
+            </a:endParaRPr>
+          </a:p>
+        </p:txBody>
+      </p:sp>
+      <p:sp>
+        <p:nvSpPr>
+          <p:cNvPr id="7" name="Rectangle 6"/>
+          <p:cNvSpPr/>
+          <p:nvPr/>
+        </p:nvSpPr>
+        <p:spPr>
+          <a:xfrm>
+            <a:off x="3673355" y="1742039"/>
+            <a:ext cx="1797287" cy="4508927"/>
+          </a:xfrm>
+          <a:prstGeom prst="rect">
+            <a:avLst/>
+          </a:prstGeom>
+          <a:noFill/>
+        </p:spPr>
+        <p:txBody>
+          <a:bodyPr wrap="none" lIns="91440" tIns="45720" rIns="91440" bIns="45720">
+            <a:spAutoFit/>
+          </a:bodyPr>
+          <a:lstStyle/>
+          <a:p>
+            <a:pPr algn="ctr"/>
+            <a:r>
+              <a:rPr lang="en-GB" sz="28700" b="1" cap="none" spc="0" dirty="0" smtClean="0">
+                <a:ln w="12700">
+                  <a:solidFill>
+                    <a:schemeClr val="accent1"/>
+                  </a:solidFill>
+                  <a:prstDash val="solid"/>
+                </a:ln>
+                <a:pattFill prst="pct50">
+                  <a:fgClr>
+                    <a:schemeClr val="accent1"/>
+                  </a:fgClr>
+                  <a:bgClr>
+                    <a:schemeClr val="accent1">
+                      <a:lumMod val="20000"/>
+                      <a:lumOff val="80000"/>
+                    </a:schemeClr>
+                  </a:bgClr>
+                </a:pattFill>
+                <a:effectLst>
+                  <a:outerShdw dist="38100" dir="2640000" algn="bl" rotWithShape="0">
+                    <a:schemeClr val="accent1"/>
+                  </a:outerShdw>
+                </a:effectLst>
+              </a:rPr>
+              <a:t>?</a:t>
+            </a:r>
+            <a:endParaRPr lang="en-GB" sz="28700" b="1" cap="none" spc="0" dirty="0">
+              <a:ln w="12700">
+                <a:solidFill>
+                  <a:schemeClr val="accent1"/>
+                </a:solidFill>
+                <a:prstDash val="solid"/>
+              </a:ln>
+              <a:pattFill prst="pct50">
+                <a:fgClr>
+                  <a:schemeClr val="accent1"/>
+                </a:fgClr>
+                <a:bgClr>
+                  <a:schemeClr val="accent1">
+                    <a:lumMod val="20000"/>
+                    <a:lumOff val="80000"/>
+                  </a:schemeClr>
+                </a:bgClr>
+              </a:pattFill>
+              <a:effectLst>
+                <a:outerShdw dist="38100" dir="2640000" algn="bl" rotWithShape="0">
+                  <a:schemeClr val="accent1"/>
+                </a:outerShdw>
+              </a:effectLst>
+            </a:endParaRPr>
+          </a:p>
+        </p:txBody>
+      </p:sp>
+    </p:spTree>
+    <p:extLst>
+      <p:ext uri="{BB962C8B-B14F-4D97-AF65-F5344CB8AC3E}">
+        <p14:creationId xmlns:p14="http://schemas.microsoft.com/office/powerpoint/2010/main" val="1062671026"/>
+      </p:ext>
+    </p:extLst>
+  </p:cSld>
+  <p:clrMapOvr>
+    <a:masterClrMapping/>
+  </p:clrMapOvr>
+  <p:timing>
+    <p:tnLst>
+      <p:par>
+        <p:cTn id="1" dur="indefinite" restart="never" nodeType="tmRoot"/>
+      </p:par>
+    </p:tnLst>
+  </p:timing>
+</p:sld>
+</file>
+
 <file path=ppt/slides/slide2.xml><?xml version="1.0" encoding="utf-8"?>
 <p:sld xmlns:a="http://schemas.openxmlformats.org/drawingml/2006/main" xmlns:r="http://schemas.openxmlformats.org/officeDocument/2006/relationships" xmlns:p="http://schemas.openxmlformats.org/presentationml/2006/main">
   <p:cSld>
@@ -8294,15 +9652,120 @@
             <p:ph idx="1"/>
           </p:nvPr>
         </p:nvSpPr>
-        <p:spPr/>
-        <p:txBody>
-          <a:bodyPr/>
+        <p:spPr>
+          <a:xfrm>
+            <a:off x="533400" y="2336872"/>
+            <a:ext cx="6887389" cy="4283383"/>
+          </a:xfrm>
+        </p:spPr>
+        <p:txBody>
+          <a:bodyPr>
+            <a:normAutofit/>
+          </a:bodyPr>
           <a:lstStyle/>
           <a:p>
-            <a:endParaRPr lang="en-US" dirty="0"/>
-          </a:p>
-        </p:txBody>
-      </p:sp>
+            <a:r>
+              <a:rPr lang="en-US" dirty="0" smtClean="0">
+                <a:solidFill>
+                  <a:schemeClr val="bg1"/>
+                </a:solidFill>
+              </a:rPr>
+              <a:t>Text based adventure/puzzle game</a:t>
+            </a:r>
+          </a:p>
+          <a:p>
+            <a:r>
+              <a:rPr lang="en-US" dirty="0" smtClean="0">
+                <a:solidFill>
+                  <a:schemeClr val="bg1"/>
+                </a:solidFill>
+              </a:rPr>
+              <a:t>Runs on any PC with python 3.4+</a:t>
+            </a:r>
+          </a:p>
+          <a:p>
+            <a:r>
+              <a:rPr lang="en-US" dirty="0" smtClean="0">
+                <a:solidFill>
+                  <a:schemeClr val="bg1"/>
+                </a:solidFill>
+              </a:rPr>
+              <a:t>Story’s map based around Cardiff area</a:t>
+            </a:r>
+          </a:p>
+          <a:p>
+            <a:r>
+              <a:rPr lang="en-US" dirty="0" smtClean="0">
+                <a:solidFill>
+                  <a:schemeClr val="bg1"/>
+                </a:solidFill>
+              </a:rPr>
+              <a:t>You play against multiple constraints</a:t>
+            </a:r>
+          </a:p>
+          <a:p>
+            <a:r>
+              <a:rPr lang="en-US" dirty="0" smtClean="0">
+                <a:solidFill>
+                  <a:schemeClr val="bg1"/>
+                </a:solidFill>
+              </a:rPr>
+              <a:t>Find items to achieve your objective</a:t>
+            </a:r>
+          </a:p>
+          <a:p>
+            <a:r>
+              <a:rPr lang="en-US" dirty="0" smtClean="0">
+                <a:solidFill>
+                  <a:schemeClr val="bg1"/>
+                </a:solidFill>
+              </a:rPr>
+              <a:t>Sustain health and hunger</a:t>
+            </a:r>
+          </a:p>
+          <a:p>
+            <a:r>
+              <a:rPr lang="en-US" dirty="0" smtClean="0">
+                <a:solidFill>
+                  <a:schemeClr val="bg1"/>
+                </a:solidFill>
+              </a:rPr>
+              <a:t>Remember what rooms to avoid</a:t>
+            </a:r>
+          </a:p>
+          <a:p>
+            <a:endParaRPr lang="en-US" dirty="0">
+              <a:solidFill>
+                <a:schemeClr val="bg1"/>
+              </a:solidFill>
+            </a:endParaRPr>
+          </a:p>
+        </p:txBody>
+      </p:sp>
+      <p:pic>
+        <p:nvPicPr>
+          <p:cNvPr id="4" name="Picture 3"/>
+          <p:cNvPicPr>
+            <a:picLocks noChangeAspect="1"/>
+          </p:cNvPicPr>
+          <p:nvPr/>
+        </p:nvPicPr>
+        <p:blipFill>
+          <a:blip r:embed="rId3"/>
+          <a:stretch>
+            <a:fillRect/>
+          </a:stretch>
+        </p:blipFill>
+        <p:spPr>
+          <a:xfrm>
+            <a:off x="5827149" y="4745736"/>
+            <a:ext cx="3202048" cy="1974596"/>
+          </a:xfrm>
+          <a:prstGeom prst="rect">
+            <a:avLst/>
+          </a:prstGeom>
+        </p:spPr>
+      </p:pic>
     </p:spTree>
     <p:extLst>
       <p:ext uri="{BB962C8B-B14F-4D97-AF65-F5344CB8AC3E}">
@@ -8365,7 +9828,7 @@
           <a:p>
             <a:r>
               <a:rPr lang="en-US" dirty="0" smtClean="0"/>
-              <a:t>Who are we aiming at?</a:t>
+              <a:t>Audience</a:t>
             </a:r>
             <a:endParaRPr lang="en-US" dirty="0"/>
           </a:p>
@@ -8381,15 +9844,144 @@
             <p:ph idx="1"/>
           </p:nvPr>
         </p:nvSpPr>
-        <p:spPr/>
+        <p:spPr>
+          <a:xfrm>
+            <a:off x="533400" y="2336873"/>
+            <a:ext cx="8372856" cy="3599316"/>
+          </a:xfrm>
+        </p:spPr>
         <p:txBody>
           <a:bodyPr/>
           <a:lstStyle/>
           <a:p>
-            <a:endParaRPr lang="en-US" dirty="0"/>
-          </a:p>
-        </p:txBody>
-      </p:sp>
+            <a:r>
+              <a:rPr lang="en-US" dirty="0" smtClean="0">
+                <a:solidFill>
+                  <a:schemeClr val="bg1"/>
+                </a:solidFill>
+              </a:rPr>
+              <a:t>Customers </a:t>
+            </a:r>
+            <a:r>
+              <a:rPr lang="en-US" dirty="0">
+                <a:solidFill>
+                  <a:schemeClr val="bg1"/>
+                </a:solidFill>
+              </a:rPr>
+              <a:t>of </a:t>
+            </a:r>
+            <a:r>
+              <a:rPr lang="en-US" dirty="0" err="1">
+                <a:solidFill>
+                  <a:schemeClr val="bg1"/>
+                </a:solidFill>
+              </a:rPr>
+              <a:t>RetroBazinga</a:t>
+            </a:r>
+            <a:r>
+              <a:rPr lang="en-US" dirty="0">
+                <a:solidFill>
+                  <a:schemeClr val="bg1"/>
+                </a:solidFill>
+              </a:rPr>
+              <a:t> </a:t>
+            </a:r>
+            <a:endParaRPr lang="en-US" dirty="0" smtClean="0">
+              <a:solidFill>
+                <a:schemeClr val="bg1"/>
+              </a:solidFill>
+            </a:endParaRPr>
+          </a:p>
+          <a:p>
+            <a:r>
+              <a:rPr lang="en-US" dirty="0" smtClean="0">
+                <a:solidFill>
+                  <a:schemeClr val="bg1"/>
+                </a:solidFill>
+              </a:rPr>
+              <a:t>Ages 13+</a:t>
+            </a:r>
+          </a:p>
+          <a:p>
+            <a:r>
+              <a:rPr lang="en-US" dirty="0" smtClean="0">
+                <a:solidFill>
+                  <a:schemeClr val="bg1"/>
+                </a:solidFill>
+              </a:rPr>
+              <a:t>Fun for anyone who enjoys text-based games</a:t>
+            </a:r>
+          </a:p>
+          <a:p>
+            <a:r>
+              <a:rPr lang="en-US" dirty="0" smtClean="0">
+                <a:solidFill>
+                  <a:schemeClr val="bg1"/>
+                </a:solidFill>
+              </a:rPr>
+              <a:t>Appeals to anybody who enjoys adventure &amp; puzzle games (even if they’re not familiar with text based games)</a:t>
+            </a:r>
+          </a:p>
+          <a:p>
+            <a:endParaRPr lang="en-US" dirty="0" smtClean="0">
+              <a:solidFill>
+                <a:schemeClr val="bg1"/>
+              </a:solidFill>
+            </a:endParaRPr>
+          </a:p>
+          <a:p>
+            <a:endParaRPr lang="en-US" dirty="0" smtClean="0">
+              <a:solidFill>
+                <a:schemeClr val="bg1"/>
+              </a:solidFill>
+            </a:endParaRPr>
+          </a:p>
+          <a:p>
+            <a:endParaRPr lang="en-US" dirty="0" smtClean="0">
+              <a:solidFill>
+                <a:schemeClr val="bg1"/>
+              </a:solidFill>
+            </a:endParaRPr>
+          </a:p>
+          <a:p>
+            <a:endParaRPr lang="en-US" dirty="0" smtClean="0">
+              <a:solidFill>
+                <a:schemeClr val="bg1"/>
+              </a:solidFill>
+            </a:endParaRPr>
+          </a:p>
+          <a:p>
+            <a:endParaRPr lang="en-US" dirty="0">
+              <a:solidFill>
+                <a:schemeClr val="bg1"/>
+              </a:solidFill>
+            </a:endParaRPr>
+          </a:p>
+        </p:txBody>
+      </p:sp>
+      <p:pic>
+        <p:nvPicPr>
+          <p:cNvPr id="4" name="Picture 3"/>
+          <p:cNvPicPr>
+            <a:picLocks noChangeAspect="1"/>
+          </p:cNvPicPr>
+          <p:nvPr/>
+        </p:nvPicPr>
+        <p:blipFill rotWithShape="1">
+          <a:blip r:embed="rId3"/>
+          <a:srcRect b="11473"/>
+          <a:stretch/>
+        </p:blipFill>
+        <p:spPr>
+          <a:xfrm>
+            <a:off x="1919111" y="4810972"/>
+            <a:ext cx="4972756" cy="2047028"/>
+          </a:xfrm>
+          <a:prstGeom prst="rect">
+            <a:avLst/>
+          </a:prstGeom>
+        </p:spPr>
+      </p:pic>
     </p:spTree>
     <p:extLst>
       <p:ext uri="{BB962C8B-B14F-4D97-AF65-F5344CB8AC3E}">
@@ -8468,12 +10060,216 @@
             <p:ph idx="1"/>
           </p:nvPr>
         </p:nvSpPr>
-        <p:spPr/>
-        <p:txBody>
-          <a:bodyPr/>
+        <p:spPr>
+          <a:xfrm>
+            <a:off x="533400" y="2336872"/>
+            <a:ext cx="8473440" cy="4347392"/>
+          </a:xfrm>
+        </p:spPr>
+        <p:txBody>
+          <a:bodyPr>
+            <a:noAutofit/>
+          </a:bodyPr>
           <a:lstStyle/>
           <a:p>
-            <a:endParaRPr lang="en-US" dirty="0"/>
+            <a:r>
+              <a:rPr lang="en-US" sz="1600" dirty="0" smtClean="0">
+                <a:solidFill>
+                  <a:schemeClr val="bg1"/>
+                </a:solidFill>
+              </a:rPr>
+              <a:t>Your university lecturer has been arrested.</a:t>
+            </a:r>
+          </a:p>
+          <a:p>
+            <a:r>
+              <a:rPr lang="en-US" sz="1600" dirty="0" smtClean="0">
+                <a:solidFill>
+                  <a:schemeClr val="bg1"/>
+                </a:solidFill>
+              </a:rPr>
+              <a:t>You need to break him out of prison in exchange for a high grade.</a:t>
+            </a:r>
+          </a:p>
+          <a:p>
+            <a:r>
+              <a:rPr lang="en-US" sz="1600" dirty="0" smtClean="0">
+                <a:solidFill>
+                  <a:schemeClr val="bg1"/>
+                </a:solidFill>
+              </a:rPr>
+              <a:t>You have 72 hours to break him out, or else you fail the game.</a:t>
+            </a:r>
+          </a:p>
+          <a:p>
+            <a:r>
+              <a:rPr lang="en-US" sz="1600" dirty="0" smtClean="0">
+                <a:solidFill>
+                  <a:schemeClr val="bg1"/>
+                </a:solidFill>
+              </a:rPr>
+              <a:t>Time will decrease after every move you take.</a:t>
+            </a:r>
+          </a:p>
+          <a:p>
+            <a:r>
+              <a:rPr lang="en-US" sz="1600" dirty="0" smtClean="0">
+                <a:solidFill>
+                  <a:schemeClr val="bg1"/>
+                </a:solidFill>
+              </a:rPr>
+              <a:t>During that time you must travel across rooms to find the keys and items necessary to break him out of prison.</a:t>
+            </a:r>
+          </a:p>
+          <a:p>
+            <a:r>
+              <a:rPr lang="en-US" sz="1600" dirty="0" smtClean="0">
+                <a:solidFill>
+                  <a:schemeClr val="bg1"/>
+                </a:solidFill>
+              </a:rPr>
+              <a:t>If you go to prison without ALL the items, you fail and must start over</a:t>
+            </a:r>
+            <a:r>
+              <a:rPr lang="en-US" sz="1600" dirty="0" smtClean="0">
+                <a:solidFill>
+                  <a:schemeClr val="bg1"/>
+                </a:solidFill>
+              </a:rPr>
+              <a:t>.</a:t>
+            </a:r>
+          </a:p>
+          <a:p>
+            <a:r>
+              <a:rPr lang="en-US" sz="1600" dirty="0" smtClean="0">
+                <a:solidFill>
+                  <a:schemeClr val="bg1"/>
+                </a:solidFill>
+              </a:rPr>
+              <a:t>You also need a guards uniform in order to get in successfully.</a:t>
+            </a:r>
+            <a:endParaRPr lang="en-US" sz="1600" dirty="0" smtClean="0">
+              <a:solidFill>
+                <a:schemeClr val="bg1"/>
+              </a:solidFill>
+            </a:endParaRPr>
+          </a:p>
+          <a:p>
+            <a:r>
+              <a:rPr lang="en-US" sz="1600" dirty="0" smtClean="0">
+                <a:solidFill>
+                  <a:schemeClr val="bg1"/>
+                </a:solidFill>
+              </a:rPr>
+              <a:t>During your travels you must sustain your health and hunger by eating food you </a:t>
+            </a:r>
+            <a:r>
+              <a:rPr lang="en-US" sz="1600" dirty="0" smtClean="0">
+                <a:solidFill>
+                  <a:schemeClr val="bg1"/>
+                </a:solidFill>
+              </a:rPr>
+              <a:t>buy </a:t>
+            </a:r>
+            <a:r>
+              <a:rPr lang="en-US" sz="1600" dirty="0" smtClean="0">
+                <a:solidFill>
+                  <a:schemeClr val="bg1"/>
+                </a:solidFill>
+              </a:rPr>
+              <a:t>from </a:t>
+            </a:r>
+            <a:r>
+              <a:rPr lang="en-US" sz="1600" dirty="0" smtClean="0">
+                <a:solidFill>
+                  <a:schemeClr val="bg1"/>
+                </a:solidFill>
+              </a:rPr>
+              <a:t>certain rooms.</a:t>
+            </a:r>
+          </a:p>
+          <a:p>
+            <a:r>
+              <a:rPr lang="en-US" sz="1600" dirty="0" smtClean="0">
+                <a:solidFill>
+                  <a:schemeClr val="bg1"/>
+                </a:solidFill>
+              </a:rPr>
+              <a:t>If your hunger gets too low, your health decreases until you eat. </a:t>
+            </a:r>
+            <a:r>
+              <a:rPr lang="en-US" sz="1600" dirty="0">
+                <a:solidFill>
+                  <a:schemeClr val="bg1"/>
+                </a:solidFill>
+              </a:rPr>
+              <a:t>I</a:t>
+            </a:r>
+            <a:r>
+              <a:rPr lang="en-US" sz="1600" dirty="0" smtClean="0">
+                <a:solidFill>
+                  <a:schemeClr val="bg1"/>
+                </a:solidFill>
+              </a:rPr>
+              <a:t>f you don</a:t>
+            </a:r>
+            <a:r>
+              <a:rPr lang="fr-FR" sz="1600" dirty="0" smtClean="0">
+                <a:solidFill>
+                  <a:schemeClr val="bg1"/>
+                </a:solidFill>
+              </a:rPr>
+              <a:t>’</a:t>
+            </a:r>
+            <a:r>
+              <a:rPr lang="en-US" sz="1600" dirty="0" smtClean="0">
+                <a:solidFill>
+                  <a:schemeClr val="bg1"/>
+                </a:solidFill>
+              </a:rPr>
+              <a:t>t, you die.</a:t>
+            </a:r>
+          </a:p>
+          <a:p>
+            <a:r>
+              <a:rPr lang="en-US" sz="1600" dirty="0" smtClean="0">
+                <a:solidFill>
+                  <a:schemeClr val="bg1"/>
+                </a:solidFill>
+              </a:rPr>
+              <a:t>Avoid the bad rooms as much as you can, they inflict damage and decrease your health.</a:t>
+            </a:r>
+          </a:p>
+          <a:p>
+            <a:pPr marL="0" indent="0">
+              <a:buNone/>
+            </a:pPr>
+            <a:endParaRPr lang="en-US" sz="1600" dirty="0" smtClean="0">
+              <a:solidFill>
+                <a:schemeClr val="bg1"/>
+              </a:solidFill>
+            </a:endParaRPr>
+          </a:p>
+          <a:p>
+            <a:endParaRPr lang="en-US" sz="1600" dirty="0" smtClean="0">
+              <a:solidFill>
+                <a:schemeClr val="bg1"/>
+              </a:solidFill>
+            </a:endParaRPr>
+          </a:p>
+          <a:p>
+            <a:endParaRPr lang="en-US" sz="1600" dirty="0" smtClean="0">
+              <a:solidFill>
+                <a:schemeClr val="bg1"/>
+              </a:solidFill>
+            </a:endParaRPr>
+          </a:p>
+          <a:p>
+            <a:endParaRPr lang="en-US" sz="1800" dirty="0">
+              <a:solidFill>
+                <a:schemeClr val="bg1"/>
+              </a:solidFill>
+            </a:endParaRPr>
           </a:p>
         </p:txBody>
       </p:sp>
@@ -8539,7 +10335,7 @@
           <a:p>
             <a:r>
               <a:rPr lang="en-US" dirty="0" smtClean="0"/>
-              <a:t>Map and Controls</a:t>
+              <a:t>Features of the game</a:t>
             </a:r>
             <a:endParaRPr lang="en-US" dirty="0"/>
           </a:p>
@@ -8547,7 +10343,7 @@
       </p:sp>
       <p:sp>
         <p:nvSpPr>
-          <p:cNvPr id="7" name="Content Placeholder 2"/>
+          <p:cNvPr id="3" name="Content Placeholder 2"/>
           <p:cNvSpPr>
             <a:spLocks noGrp="1"/>
           </p:cNvSpPr>
@@ -8555,148 +10351,203 @@
             <p:ph idx="1"/>
           </p:nvPr>
         </p:nvSpPr>
-        <p:spPr/>
-        <p:txBody>
-          <a:bodyPr/>
+        <p:spPr>
+          <a:xfrm>
+            <a:off x="533400" y="2336872"/>
+            <a:ext cx="6887389" cy="4173655"/>
+          </a:xfrm>
+        </p:spPr>
+        <p:txBody>
+          <a:bodyPr>
+            <a:normAutofit/>
+          </a:bodyPr>
           <a:lstStyle/>
           <a:p>
             <a:r>
+              <a:rPr lang="en-US" dirty="0" smtClean="0">
+                <a:solidFill>
+                  <a:schemeClr val="bg1"/>
+                </a:solidFill>
+              </a:rPr>
+              <a:t>Users can choose their own player name</a:t>
+            </a:r>
+          </a:p>
+          <a:p>
+            <a:r>
+              <a:rPr lang="en-US" dirty="0" smtClean="0">
+                <a:solidFill>
+                  <a:schemeClr val="bg1"/>
+                </a:solidFill>
+              </a:rPr>
+              <a:t>Start central to the map (Student Union)</a:t>
+            </a:r>
+          </a:p>
+          <a:p>
+            <a:r>
               <a:rPr lang="en-US" dirty="0">
                 <a:solidFill>
-                  <a:schemeClr val="tx1">
-                    <a:lumMod val="50000"/>
-                  </a:schemeClr>
+                  <a:schemeClr val="bg1"/>
                 </a:solidFill>
               </a:rPr>
-              <a:t>17 rooms</a:t>
-            </a:r>
+              <a:t>One way and </a:t>
+            </a:r>
+            <a:r>
+              <a:rPr lang="en-US" dirty="0" smtClean="0">
+                <a:solidFill>
+                  <a:schemeClr val="bg1"/>
+                </a:solidFill>
+              </a:rPr>
+              <a:t>bidirectional </a:t>
+            </a:r>
+            <a:r>
+              <a:rPr lang="en-US" dirty="0">
+                <a:solidFill>
+                  <a:schemeClr val="bg1"/>
+                </a:solidFill>
+              </a:rPr>
+              <a:t>paths to </a:t>
+            </a:r>
+            <a:r>
+              <a:rPr lang="en-US" dirty="0" smtClean="0">
+                <a:solidFill>
+                  <a:schemeClr val="bg1"/>
+                </a:solidFill>
+              </a:rPr>
+              <a:t>the rooms</a:t>
+            </a:r>
+            <a:endParaRPr lang="en-US" dirty="0">
+              <a:solidFill>
+                <a:schemeClr val="bg1"/>
+              </a:solidFill>
+            </a:endParaRPr>
+          </a:p>
+          <a:p>
+            <a:r>
+              <a:rPr lang="en-US" dirty="0">
+                <a:solidFill>
+                  <a:schemeClr val="bg1"/>
+                </a:solidFill>
+              </a:rPr>
+              <a:t>17 </a:t>
+            </a:r>
+            <a:r>
+              <a:rPr lang="en-US" dirty="0" smtClean="0">
+                <a:solidFill>
+                  <a:schemeClr val="bg1"/>
+                </a:solidFill>
+              </a:rPr>
+              <a:t>Rooms</a:t>
+            </a:r>
+            <a:endParaRPr lang="en-US" dirty="0">
+              <a:solidFill>
+                <a:schemeClr val="bg1"/>
+              </a:solidFill>
+            </a:endParaRPr>
           </a:p>
           <a:p>
             <a:pPr lvl="1"/>
             <a:r>
-              <a:rPr lang="en-US" dirty="0" smtClean="0">
-                <a:solidFill>
-                  <a:schemeClr val="tx1">
-                    <a:lumMod val="50000"/>
-                  </a:schemeClr>
+              <a:rPr lang="en-US" dirty="0">
+                <a:solidFill>
+                  <a:schemeClr val="bg1"/>
                 </a:solidFill>
               </a:rPr>
               <a:t>Start at the Student Union</a:t>
             </a:r>
+          </a:p>
+          <a:p>
+            <a:pPr lvl="1"/>
+            <a:r>
+              <a:rPr lang="en-US" dirty="0">
+                <a:solidFill>
+                  <a:schemeClr val="bg1"/>
+                </a:solidFill>
+              </a:rPr>
+              <a:t>3 Key rooms (2 keys and 1 weapon</a:t>
+            </a:r>
+            <a:r>
+              <a:rPr lang="en-US" dirty="0" smtClean="0">
+                <a:solidFill>
+                  <a:schemeClr val="bg1"/>
+                </a:solidFill>
+              </a:rPr>
+              <a:t>)</a:t>
+            </a:r>
+          </a:p>
+          <a:p>
+            <a:pPr lvl="1"/>
+            <a:r>
+              <a:rPr lang="en-US" dirty="0" smtClean="0">
+                <a:solidFill>
+                  <a:schemeClr val="bg1"/>
+                </a:solidFill>
+              </a:rPr>
+              <a:t>3 Food rooms</a:t>
+            </a:r>
             <a:endParaRPr lang="en-US" dirty="0">
               <a:solidFill>
-                <a:schemeClr val="tx1">
-                  <a:lumMod val="50000"/>
-                </a:schemeClr>
+                <a:schemeClr val="bg1"/>
               </a:solidFill>
             </a:endParaRPr>
           </a:p>
           <a:p>
             <a:pPr lvl="1"/>
             <a:r>
+              <a:rPr lang="en-US" dirty="0">
+                <a:solidFill>
+                  <a:schemeClr val="bg1"/>
+                </a:solidFill>
+              </a:rPr>
+              <a:t>4 Bad </a:t>
+            </a:r>
+            <a:r>
               <a:rPr lang="en-US" dirty="0" smtClean="0">
                 <a:solidFill>
-                  <a:schemeClr val="tx1">
-                    <a:lumMod val="50000"/>
-                  </a:schemeClr>
+                  <a:schemeClr val="bg1"/>
                 </a:solidFill>
               </a:rPr>
-              <a:t>3 Key rooms </a:t>
-            </a:r>
-            <a:r>
-              <a:rPr lang="en-US" dirty="0">
-                <a:solidFill>
-                  <a:schemeClr val="tx1">
-                    <a:lumMod val="50000"/>
-                  </a:schemeClr>
-                </a:solidFill>
-              </a:rPr>
-              <a:t>(2 keys and 1 weapon)</a:t>
-            </a:r>
-          </a:p>
-          <a:p>
-            <a:pPr lvl="1"/>
-            <a:r>
-              <a:rPr lang="en-US" dirty="0">
-                <a:solidFill>
-                  <a:schemeClr val="tx1">
-                    <a:lumMod val="50000"/>
-                  </a:schemeClr>
-                </a:solidFill>
-              </a:rPr>
-              <a:t>4 </a:t>
-            </a:r>
-            <a:r>
-              <a:rPr lang="en-US" dirty="0" smtClean="0">
-                <a:solidFill>
-                  <a:schemeClr val="tx1">
-                    <a:lumMod val="50000"/>
-                  </a:schemeClr>
-                </a:solidFill>
-              </a:rPr>
-              <a:t>Bad </a:t>
-            </a:r>
-            <a:r>
-              <a:rPr lang="en-US" dirty="0">
-                <a:solidFill>
-                  <a:schemeClr val="tx1">
-                    <a:lumMod val="50000"/>
-                  </a:schemeClr>
-                </a:solidFill>
-              </a:rPr>
-              <a:t>rooms</a:t>
-            </a:r>
-          </a:p>
-          <a:p>
-            <a:pPr lvl="1"/>
-            <a:r>
-              <a:rPr lang="en-US" dirty="0">
-                <a:solidFill>
-                  <a:schemeClr val="tx1">
-                    <a:lumMod val="50000"/>
-                  </a:schemeClr>
-                </a:solidFill>
-              </a:rPr>
-              <a:t>8 </a:t>
-            </a:r>
-            <a:r>
-              <a:rPr lang="en-US" dirty="0" smtClean="0">
-                <a:solidFill>
-                  <a:schemeClr val="tx1">
-                    <a:lumMod val="50000"/>
-                  </a:schemeClr>
-                </a:solidFill>
-              </a:rPr>
-              <a:t>Normal </a:t>
-            </a:r>
-            <a:r>
-              <a:rPr lang="en-US" dirty="0">
-                <a:solidFill>
-                  <a:schemeClr val="tx1">
-                    <a:lumMod val="50000"/>
-                  </a:schemeClr>
-                </a:solidFill>
-              </a:rPr>
-              <a:t>rooms</a:t>
-            </a:r>
-          </a:p>
-          <a:p>
-            <a:pPr lvl="1"/>
-            <a:r>
-              <a:rPr lang="en-US" dirty="0" smtClean="0">
-                <a:solidFill>
-                  <a:schemeClr val="tx1">
-                    <a:lumMod val="50000"/>
-                  </a:schemeClr>
-                </a:solidFill>
-              </a:rPr>
-              <a:t>Prison (final room)</a:t>
+              <a:t>rooms (Will damage your health)</a:t>
             </a:r>
             <a:endParaRPr lang="en-US" dirty="0">
               <a:solidFill>
-                <a:schemeClr val="tx1">
-                  <a:lumMod val="50000"/>
-                </a:schemeClr>
+                <a:schemeClr val="bg1"/>
+              </a:solidFill>
+            </a:endParaRPr>
+          </a:p>
+          <a:p>
+            <a:pPr lvl="1"/>
+            <a:r>
+              <a:rPr lang="en-US" dirty="0">
+                <a:solidFill>
+                  <a:schemeClr val="bg1"/>
+                </a:solidFill>
+              </a:rPr>
+              <a:t>8 Normal rooms</a:t>
+            </a:r>
+          </a:p>
+          <a:p>
+            <a:pPr lvl="1"/>
+            <a:r>
+              <a:rPr lang="en-US" dirty="0">
+                <a:solidFill>
+                  <a:schemeClr val="bg1"/>
+                </a:solidFill>
+              </a:rPr>
+              <a:t>Prison (final room</a:t>
+            </a:r>
+            <a:r>
+              <a:rPr lang="en-US" dirty="0" smtClean="0">
+                <a:solidFill>
+                  <a:schemeClr val="bg1"/>
+                </a:solidFill>
+              </a:rPr>
+              <a:t>)</a:t>
+            </a:r>
+          </a:p>
+          <a:p>
+            <a:endParaRPr lang="en-US" dirty="0">
+              <a:solidFill>
+                <a:schemeClr val="bg1"/>
               </a:solidFill>
             </a:endParaRPr>
           </a:p>
@@ -8708,7 +10559,7 @@
     </p:spTree>
     <p:extLst>
       <p:ext uri="{BB962C8B-B14F-4D97-AF65-F5344CB8AC3E}">
-        <p14:creationId xmlns:p14="http://schemas.microsoft.com/office/powerpoint/2010/main" val="784252921"/>
+        <p14:creationId xmlns:p14="http://schemas.microsoft.com/office/powerpoint/2010/main" val="2086693768"/>
       </p:ext>
     </p:extLst>
   </p:cSld>
@@ -8767,7 +10618,7 @@
           <a:p>
             <a:r>
               <a:rPr lang="en-US" dirty="0" smtClean="0"/>
-              <a:t>Current status &amp; The Future</a:t>
+              <a:t>Features of the game</a:t>
             </a:r>
             <a:endParaRPr lang="en-US" dirty="0"/>
           </a:p>
@@ -8783,10 +10634,113 @@
             <p:ph idx="1"/>
           </p:nvPr>
         </p:nvSpPr>
-        <p:spPr/>
-        <p:txBody>
-          <a:bodyPr/>
+        <p:spPr>
+          <a:xfrm>
+            <a:off x="533400" y="2336872"/>
+            <a:ext cx="7989711" cy="4173655"/>
+          </a:xfrm>
+        </p:spPr>
+        <p:txBody>
+          <a:bodyPr>
+            <a:normAutofit/>
+          </a:bodyPr>
           <a:lstStyle/>
+          <a:p>
+            <a:r>
+              <a:rPr lang="en-US" dirty="0" smtClean="0">
+                <a:solidFill>
+                  <a:schemeClr val="bg1"/>
+                </a:solidFill>
+              </a:rPr>
+              <a:t>Multiple food items can be bought from 3 </a:t>
+            </a:r>
+            <a:r>
+              <a:rPr lang="en-US" dirty="0" smtClean="0">
+                <a:solidFill>
+                  <a:schemeClr val="bg1"/>
+                </a:solidFill>
+              </a:rPr>
+              <a:t>shops in </a:t>
+            </a:r>
+            <a:r>
+              <a:rPr lang="en-US" dirty="0" smtClean="0">
+                <a:solidFill>
+                  <a:schemeClr val="bg1"/>
+                </a:solidFill>
+              </a:rPr>
+              <a:t>the map (Starbucks, Café and The </a:t>
+            </a:r>
+            <a:r>
+              <a:rPr lang="en-US" dirty="0" err="1" smtClean="0">
+                <a:solidFill>
+                  <a:schemeClr val="bg1"/>
+                </a:solidFill>
+              </a:rPr>
+              <a:t>Taff</a:t>
+            </a:r>
+            <a:r>
+              <a:rPr lang="en-US" dirty="0" smtClean="0">
+                <a:solidFill>
+                  <a:schemeClr val="bg1"/>
+                </a:solidFill>
+              </a:rPr>
+              <a:t>).</a:t>
+            </a:r>
+          </a:p>
+          <a:p>
+            <a:r>
+              <a:rPr lang="en-US" dirty="0" smtClean="0">
+                <a:solidFill>
+                  <a:schemeClr val="bg1"/>
+                </a:solidFill>
+              </a:rPr>
+              <a:t>You could steal them… however you end up in prison alongside Kirill and your items are taken away.</a:t>
+            </a:r>
+          </a:p>
+          <a:p>
+            <a:r>
+              <a:rPr lang="en-US" dirty="0" smtClean="0">
+                <a:solidFill>
+                  <a:schemeClr val="bg1"/>
+                </a:solidFill>
+              </a:rPr>
+              <a:t>Timer (starts on 72 hours).</a:t>
+            </a:r>
+          </a:p>
+          <a:p>
+            <a:r>
+              <a:rPr lang="en-US" dirty="0" smtClean="0">
+                <a:solidFill>
+                  <a:schemeClr val="bg1"/>
+                </a:solidFill>
+              </a:rPr>
+              <a:t>Player Health decreases when hunger reaches 0.</a:t>
+            </a:r>
+          </a:p>
+          <a:p>
+            <a:r>
+              <a:rPr lang="en-US" dirty="0" smtClean="0">
+                <a:solidFill>
+                  <a:schemeClr val="bg1"/>
+                </a:solidFill>
+              </a:rPr>
+              <a:t>Need 3 items to break Kirill out of prison.</a:t>
+            </a:r>
+          </a:p>
+          <a:p>
+            <a:endParaRPr lang="en-US" dirty="0" smtClean="0">
+              <a:solidFill>
+                <a:schemeClr val="bg1"/>
+              </a:solidFill>
+            </a:endParaRPr>
+          </a:p>
+          <a:p>
+            <a:endParaRPr lang="en-US" dirty="0">
+              <a:solidFill>
+                <a:schemeClr val="bg1"/>
+              </a:solidFill>
+            </a:endParaRPr>
+          </a:p>
           <a:p>
             <a:endParaRPr lang="en-US" dirty="0"/>
           </a:p>
@@ -8795,7 +10749,7 @@
     </p:spTree>
     <p:extLst>
       <p:ext uri="{BB962C8B-B14F-4D97-AF65-F5344CB8AC3E}">
-        <p14:creationId xmlns:p14="http://schemas.microsoft.com/office/powerpoint/2010/main" val="1220659467"/>
+        <p14:creationId xmlns:p14="http://schemas.microsoft.com/office/powerpoint/2010/main" val="1519725498"/>
       </p:ext>
     </p:extLst>
   </p:cSld>
@@ -8813,7 +10767,7 @@
 </file>
 
 <file path=ppt/slides/slide7.xml><?xml version="1.0" encoding="utf-8"?>
-<p:sld xmlns:a="http://schemas.openxmlformats.org/drawingml/2006/main" xmlns:r="http://schemas.openxmlformats.org/officeDocument/2006/relationships" xmlns:p="http://schemas.openxmlformats.org/presentationml/2006/main" showMasterSp="0">
+<p:sld xmlns:a="http://schemas.openxmlformats.org/drawingml/2006/main" xmlns:r="http://schemas.openxmlformats.org/officeDocument/2006/relationships" xmlns:p="http://schemas.openxmlformats.org/presentationml/2006/main">
   <p:cSld>
     <p:bg>
       <p:bgPr>
@@ -8839,7 +10793,350 @@
       </p:grpSpPr>
       <p:sp>
         <p:nvSpPr>
-          <p:cNvPr id="4" name="Title 1"/>
+          <p:cNvPr id="2" name="Title 1"/>
+          <p:cNvSpPr>
+            <a:spLocks noGrp="1"/>
+          </p:cNvSpPr>
+          <p:nvPr>
+            <p:ph type="title"/>
+          </p:nvPr>
+        </p:nvSpPr>
+        <p:spPr/>
+        <p:txBody>
+          <a:bodyPr/>
+          <a:lstStyle/>
+          <a:p>
+            <a:r>
+              <a:rPr lang="en-US" dirty="0" smtClean="0"/>
+              <a:t>Live Demonstration</a:t>
+            </a:r>
+            <a:endParaRPr lang="en-US" dirty="0"/>
+          </a:p>
+        </p:txBody>
+      </p:sp>
+      <p:pic>
+        <p:nvPicPr>
+          <p:cNvPr id="4" name="Picture 3"/>
+          <p:cNvPicPr>
+            <a:picLocks noChangeAspect="1"/>
+          </p:cNvPicPr>
+          <p:nvPr/>
+        </p:nvPicPr>
+        <p:blipFill>
+          <a:blip r:embed="rId3"/>
+          <a:stretch>
+            <a:fillRect/>
+          </a:stretch>
+        </p:blipFill>
+        <p:spPr>
+          <a:xfrm>
+            <a:off x="1656783" y="2609706"/>
+            <a:ext cx="5939073" cy="3519987"/>
+          </a:xfrm>
+          <a:prstGeom prst="rect">
+            <a:avLst/>
+          </a:prstGeom>
+          <a:ln>
+            <a:noFill/>
+          </a:ln>
+          <a:effectLst>
+            <a:outerShdw blurRad="292100" dist="139700" dir="2700000" algn="tl" rotWithShape="0">
+              <a:srgbClr val="333333">
+                <a:alpha val="65000"/>
+              </a:srgbClr>
+            </a:outerShdw>
+          </a:effectLst>
+        </p:spPr>
+      </p:pic>
+    </p:spTree>
+    <p:extLst>
+      <p:ext uri="{BB962C8B-B14F-4D97-AF65-F5344CB8AC3E}">
+        <p14:creationId xmlns:p14="http://schemas.microsoft.com/office/powerpoint/2010/main" val="784252921"/>
+      </p:ext>
+    </p:extLst>
+  </p:cSld>
+  <p:clrMapOvr>
+    <a:masterClrMapping/>
+  </p:clrMapOvr>
+  <p:timing>
+    <p:tnLst>
+      <p:par>
+        <p:cTn id="1" dur="indefinite" restart="never" nodeType="tmRoot"/>
+      </p:par>
+    </p:tnLst>
+  </p:timing>
+</p:sld>
+</file>
+
+<file path=ppt/slides/slide8.xml><?xml version="1.0" encoding="utf-8"?>
+<p:sld xmlns:a="http://schemas.openxmlformats.org/drawingml/2006/main" xmlns:r="http://schemas.openxmlformats.org/officeDocument/2006/relationships" xmlns:p="http://schemas.openxmlformats.org/presentationml/2006/main">
+  <p:cSld>
+    <p:bg>
+      <p:bgPr>
+        <a:solidFill>
+          <a:schemeClr val="tx1"/>
+        </a:solidFill>
+        <a:effectLst/>
+      </p:bgPr>
+    </p:bg>
+    <p:spTree>
+      <p:nvGrpSpPr>
+        <p:cNvPr id="1" name=""/>
+        <p:cNvGrpSpPr/>
+        <p:nvPr/>
+      </p:nvGrpSpPr>
+      <p:grpSpPr>
+        <a:xfrm>
+          <a:off x="0" y="0"/>
+          <a:ext cx="0" cy="0"/>
+          <a:chOff x="0" y="0"/>
+          <a:chExt cx="0" cy="0"/>
+        </a:xfrm>
+      </p:grpSpPr>
+      <p:sp>
+        <p:nvSpPr>
+          <p:cNvPr id="2" name="Title 1"/>
+          <p:cNvSpPr>
+            <a:spLocks noGrp="1"/>
+          </p:cNvSpPr>
+          <p:nvPr>
+            <p:ph type="title"/>
+          </p:nvPr>
+        </p:nvSpPr>
+        <p:spPr/>
+        <p:txBody>
+          <a:bodyPr/>
+          <a:lstStyle/>
+          <a:p>
+            <a:r>
+              <a:rPr lang="en-US" dirty="0" smtClean="0"/>
+              <a:t>The Future</a:t>
+            </a:r>
+            <a:endParaRPr lang="en-US" dirty="0"/>
+          </a:p>
+        </p:txBody>
+      </p:sp>
+      <p:sp>
+        <p:nvSpPr>
+          <p:cNvPr id="3" name="Content Placeholder 2"/>
+          <p:cNvSpPr>
+            <a:spLocks noGrp="1"/>
+          </p:cNvSpPr>
+          <p:nvPr>
+            <p:ph idx="1"/>
+          </p:nvPr>
+        </p:nvSpPr>
+        <p:spPr>
+          <a:xfrm>
+            <a:off x="533400" y="2336873"/>
+            <a:ext cx="8418576" cy="3599316"/>
+          </a:xfrm>
+        </p:spPr>
+        <p:txBody>
+          <a:bodyPr/>
+          <a:lstStyle/>
+          <a:p>
+            <a:r>
+              <a:rPr lang="en-US" dirty="0" smtClean="0">
+                <a:solidFill>
+                  <a:schemeClr val="bg1"/>
+                </a:solidFill>
+              </a:rPr>
+              <a:t>Online Score Board to show your friends via social media</a:t>
+            </a:r>
+          </a:p>
+          <a:p>
+            <a:r>
+              <a:rPr lang="en-US" dirty="0" smtClean="0">
+                <a:solidFill>
+                  <a:schemeClr val="bg1"/>
+                </a:solidFill>
+              </a:rPr>
+              <a:t>More </a:t>
+            </a:r>
+            <a:r>
+              <a:rPr lang="en-US" dirty="0">
+                <a:solidFill>
+                  <a:schemeClr val="bg1"/>
+                </a:solidFill>
+              </a:rPr>
+              <a:t>features may include</a:t>
+            </a:r>
+          </a:p>
+          <a:p>
+            <a:pPr lvl="1"/>
+            <a:r>
+              <a:rPr lang="en-US" dirty="0">
+                <a:solidFill>
+                  <a:schemeClr val="bg1"/>
+                </a:solidFill>
+              </a:rPr>
+              <a:t>More maps to chose from (different areas)</a:t>
+            </a:r>
+          </a:p>
+          <a:p>
+            <a:pPr lvl="1"/>
+            <a:r>
+              <a:rPr lang="en-US" dirty="0">
+                <a:solidFill>
+                  <a:schemeClr val="bg1"/>
+                </a:solidFill>
+              </a:rPr>
+              <a:t>New rooms</a:t>
+            </a:r>
+          </a:p>
+          <a:p>
+            <a:pPr lvl="1"/>
+            <a:r>
+              <a:rPr lang="en-US" dirty="0">
+                <a:solidFill>
+                  <a:schemeClr val="bg1"/>
+                </a:solidFill>
+              </a:rPr>
+              <a:t>More Difficulty Settings</a:t>
+            </a:r>
+          </a:p>
+          <a:p>
+            <a:pPr lvl="1"/>
+            <a:r>
+              <a:rPr lang="en-US" dirty="0">
+                <a:solidFill>
+                  <a:schemeClr val="bg1"/>
+                </a:solidFill>
+              </a:rPr>
+              <a:t>Longer storyline &amp; Side </a:t>
+            </a:r>
+            <a:r>
+              <a:rPr lang="en-US" dirty="0" smtClean="0">
+                <a:solidFill>
+                  <a:schemeClr val="bg1"/>
+                </a:solidFill>
+              </a:rPr>
+              <a:t>missions</a:t>
+            </a:r>
+          </a:p>
+          <a:p>
+            <a:pPr lvl="1"/>
+            <a:endParaRPr lang="en-US" dirty="0" smtClean="0">
+              <a:solidFill>
+                <a:schemeClr val="bg1"/>
+              </a:solidFill>
+            </a:endParaRPr>
+          </a:p>
+          <a:p>
+            <a:r>
+              <a:rPr lang="en-US" dirty="0" smtClean="0">
+                <a:solidFill>
+                  <a:schemeClr val="bg1"/>
+                </a:solidFill>
+              </a:rPr>
+              <a:t>Support for mobile platforms</a:t>
+            </a:r>
+          </a:p>
+        </p:txBody>
+      </p:sp>
+      <p:pic>
+        <p:nvPicPr>
+          <p:cNvPr id="7" name="Picture 6"/>
+          <p:cNvPicPr>
+            <a:picLocks noChangeAspect="1"/>
+          </p:cNvPicPr>
+          <p:nvPr/>
+        </p:nvPicPr>
+        <p:blipFill>
+          <a:blip r:embed="rId3">
+            <a:extLst>
+              <a:ext uri="{28A0092B-C50C-407E-A947-70E740481C1C}">
+                <a14:useLocalDpi xmlns:a14="http://schemas.microsoft.com/office/drawing/2010/main" val="0"/>
+              </a:ext>
+            </a:extLst>
+          </a:blip>
+          <a:stretch>
+            <a:fillRect/>
+          </a:stretch>
+        </p:blipFill>
+        <p:spPr>
+          <a:xfrm>
+            <a:off x="6543413" y="3076200"/>
+            <a:ext cx="2408563" cy="1204282"/>
+          </a:xfrm>
+          <a:prstGeom prst="rect">
+            <a:avLst/>
+          </a:prstGeom>
+        </p:spPr>
+      </p:pic>
+      <p:pic>
+        <p:nvPicPr>
+          <p:cNvPr id="8" name="Picture 7"/>
+          <p:cNvPicPr>
+            <a:picLocks noChangeAspect="1"/>
+          </p:cNvPicPr>
+          <p:nvPr/>
+        </p:nvPicPr>
+        <p:blipFill>
+          <a:blip r:embed="rId4"/>
+          <a:stretch>
+            <a:fillRect/>
+          </a:stretch>
+        </p:blipFill>
+        <p:spPr>
+          <a:xfrm>
+            <a:off x="6530843" y="4945118"/>
+            <a:ext cx="2421133" cy="1638300"/>
+          </a:xfrm>
+          <a:prstGeom prst="rect">
+            <a:avLst/>
+          </a:prstGeom>
+        </p:spPr>
+      </p:pic>
+    </p:spTree>
+    <p:extLst>
+      <p:ext uri="{BB962C8B-B14F-4D97-AF65-F5344CB8AC3E}">
+        <p14:creationId xmlns:p14="http://schemas.microsoft.com/office/powerpoint/2010/main" val="1220659467"/>
+      </p:ext>
+    </p:extLst>
+  </p:cSld>
+  <p:clrMapOvr>
+    <a:masterClrMapping/>
+  </p:clrMapOvr>
+  <p:timing>
+    <p:tnLst>
+      <p:par>
+        <p:cTn id="1" dur="indefinite" restart="never" nodeType="tmRoot"/>
+      </p:par>
+    </p:tnLst>
+  </p:timing>
+</p:sld>
+</file>
+
+<file path=ppt/slides/slide9.xml><?xml version="1.0" encoding="utf-8"?>
+<p:sld xmlns:a="http://schemas.openxmlformats.org/drawingml/2006/main" xmlns:r="http://schemas.openxmlformats.org/officeDocument/2006/relationships" xmlns:p="http://schemas.openxmlformats.org/presentationml/2006/main">
+  <p:cSld>
+    <p:bg>
+      <p:bgPr>
+        <a:solidFill>
+          <a:schemeClr val="tx1"/>
+        </a:solidFill>
+        <a:effectLst/>
+      </p:bgPr>
+    </p:bg>
+    <p:spTree>
+      <p:nvGrpSpPr>
+        <p:cNvPr id="1" name=""/>
+        <p:cNvGrpSpPr/>
+        <p:nvPr/>
+      </p:nvGrpSpPr>
+      <p:grpSpPr>
+        <a:xfrm>
+          <a:off x="0" y="0"/>
+          <a:ext cx="0" cy="0"/>
+          <a:chOff x="0" y="0"/>
+          <a:chExt cx="0" cy="0"/>
+        </a:xfrm>
+      </p:grpSpPr>
+      <p:sp>
+        <p:nvSpPr>
+          <p:cNvPr id="10" name="Title 1"/>
           <p:cNvSpPr txBox="1">
             <a:spLocks/>
           </p:cNvSpPr>
@@ -8847,8 +11144,8 @@
         </p:nvSpPr>
         <p:spPr>
           <a:xfrm>
-            <a:off x="0" y="905628"/>
-            <a:ext cx="9143999" cy="1080938"/>
+            <a:off x="531639" y="753228"/>
+            <a:ext cx="6896534" cy="1080938"/>
           </a:xfrm>
           <a:prstGeom prst="rect">
             <a:avLst/>
@@ -8878,63 +11175,24 @@
             </a:lvl1pPr>
           </a:lstStyle>
           <a:p>
-            <a:pPr algn="ctr"/>
-            <a:r>
-              <a:rPr lang="en-US" sz="6000" b="1" spc="50" dirty="0" smtClean="0">
-                <a:ln w="9525" cmpd="sng">
-                  <a:solidFill>
-                    <a:schemeClr val="accent1"/>
-                  </a:solidFill>
-                  <a:prstDash val="solid"/>
-                </a:ln>
-                <a:solidFill>
-                  <a:srgbClr val="70AD47">
-                    <a:tint val="1000"/>
-                  </a:srgbClr>
-                </a:solidFill>
-                <a:effectLst>
-                  <a:glow rad="38100">
-                    <a:schemeClr val="accent1">
-                      <a:alpha val="40000"/>
-                    </a:schemeClr>
-                  </a:glow>
-                </a:effectLst>
-              </a:rPr>
-              <a:t>Questions?</a:t>
-            </a:r>
-            <a:endParaRPr lang="en-US" sz="6000" b="1" spc="50" dirty="0">
-              <a:ln w="9525" cmpd="sng">
-                <a:solidFill>
-                  <a:schemeClr val="accent1"/>
-                </a:solidFill>
-                <a:prstDash val="solid"/>
-              </a:ln>
-              <a:solidFill>
-                <a:srgbClr val="70AD47">
-                  <a:tint val="1000"/>
-                </a:srgbClr>
-              </a:solidFill>
-              <a:effectLst>
-                <a:glow rad="38100">
-                  <a:schemeClr val="accent1">
-                    <a:alpha val="40000"/>
-                  </a:schemeClr>
-                </a:glow>
-              </a:effectLst>
-            </a:endParaRPr>
-          </a:p>
-        </p:txBody>
-      </p:sp>
-      <p:sp>
-        <p:nvSpPr>
-          <p:cNvPr id="7" name="Rectangle 6"/>
-          <p:cNvSpPr/>
+            <a:r>
+              <a:rPr lang="en-US" smtClean="0"/>
+              <a:t>Reviews</a:t>
+            </a:r>
+            <a:endParaRPr lang="en-US" dirty="0"/>
+          </a:p>
+        </p:txBody>
+      </p:sp>
+      <p:sp>
+        <p:nvSpPr>
+          <p:cNvPr id="11" name="TextBox 10"/>
+          <p:cNvSpPr txBox="1"/>
           <p:nvPr/>
         </p:nvSpPr>
         <p:spPr>
-          <a:xfrm>
-            <a:off x="3673355" y="1742039"/>
-            <a:ext cx="1797287" cy="4508927"/>
+          <a:xfrm rot="20686394">
+            <a:off x="406402" y="2336802"/>
+            <a:ext cx="3273778" cy="1200329"/>
           </a:xfrm>
           <a:prstGeom prst="rect">
             <a:avLst/>
@@ -8942,62 +11200,270 @@
           <a:noFill/>
         </p:spPr>
         <p:txBody>
-          <a:bodyPr wrap="none" lIns="91440" tIns="45720" rIns="91440" bIns="45720">
+          <a:bodyPr wrap="square" rtlCol="0">
             <a:spAutoFit/>
           </a:bodyPr>
           <a:lstStyle/>
           <a:p>
-            <a:pPr algn="ctr"/>
-            <a:r>
-              <a:rPr lang="en-GB" sz="28700" b="1" cap="none" spc="0" dirty="0" smtClean="0">
-                <a:ln w="12700">
-                  <a:solidFill>
-                    <a:schemeClr val="accent1"/>
-                  </a:solidFill>
-                  <a:prstDash val="solid"/>
-                </a:ln>
-                <a:pattFill prst="pct50">
-                  <a:fgClr>
-                    <a:schemeClr val="accent1"/>
-                  </a:fgClr>
-                  <a:bgClr>
-                    <a:schemeClr val="accent1">
-                      <a:lumMod val="20000"/>
-                      <a:lumOff val="80000"/>
-                    </a:schemeClr>
-                  </a:bgClr>
-                </a:pattFill>
-                <a:effectLst>
-                  <a:outerShdw dist="38100" dir="2640000" algn="bl" rotWithShape="0">
-                    <a:schemeClr val="accent1"/>
-                  </a:outerShdw>
-                </a:effectLst>
+            <a:r>
+              <a:rPr lang="en-US" dirty="0" smtClean="0">
+                <a:solidFill>
+                  <a:schemeClr val="bg1"/>
+                </a:solidFill>
               </a:rPr>
-              <a:t>?</a:t>
-            </a:r>
-            <a:endParaRPr lang="en-GB" sz="28700" b="1" cap="none" spc="0" dirty="0">
-              <a:ln w="12700">
-                <a:solidFill>
-                  <a:schemeClr val="accent1"/>
-                </a:solidFill>
-                <a:prstDash val="solid"/>
-              </a:ln>
-              <a:pattFill prst="pct50">
-                <a:fgClr>
-                  <a:schemeClr val="accent1"/>
-                </a:fgClr>
-                <a:bgClr>
-                  <a:schemeClr val="accent1">
-                    <a:lumMod val="20000"/>
-                    <a:lumOff val="80000"/>
-                  </a:schemeClr>
-                </a:bgClr>
-              </a:pattFill>
-              <a:effectLst>
-                <a:outerShdw dist="38100" dir="2640000" algn="bl" rotWithShape="0">
-                  <a:schemeClr val="accent1"/>
-                </a:outerShdw>
-              </a:effectLst>
+              <a:t>“</a:t>
+            </a:r>
+            <a:r>
+              <a:rPr lang="en-US" dirty="0" smtClean="0">
+                <a:solidFill>
+                  <a:schemeClr val="bg1"/>
+                </a:solidFill>
+              </a:rPr>
+              <a:t>I don’t have a social life, but now I don’t even need one.”</a:t>
+            </a:r>
+          </a:p>
+          <a:p>
+            <a:r>
+              <a:rPr lang="en-US" dirty="0" smtClean="0">
+                <a:solidFill>
+                  <a:schemeClr val="bg1"/>
+                </a:solidFill>
+              </a:rPr>
+              <a:t>- Anonymous Gamer</a:t>
+            </a:r>
+            <a:endParaRPr lang="en-US" dirty="0">
+              <a:solidFill>
+                <a:schemeClr val="bg1"/>
+              </a:solidFill>
+            </a:endParaRPr>
+          </a:p>
+        </p:txBody>
+      </p:sp>
+      <p:sp>
+        <p:nvSpPr>
+          <p:cNvPr id="12" name="TextBox 11"/>
+          <p:cNvSpPr txBox="1"/>
+          <p:nvPr/>
+        </p:nvSpPr>
+        <p:spPr>
+          <a:xfrm rot="1223431">
+            <a:off x="6045204" y="2934633"/>
+            <a:ext cx="3273778" cy="923330"/>
+          </a:xfrm>
+          <a:prstGeom prst="rect">
+            <a:avLst/>
+          </a:prstGeom>
+          <a:noFill/>
+        </p:spPr>
+        <p:txBody>
+          <a:bodyPr wrap="square" rtlCol="0">
+            <a:spAutoFit/>
+          </a:bodyPr>
+          <a:lstStyle/>
+          <a:p>
+            <a:r>
+              <a:rPr lang="en-US" dirty="0" smtClean="0">
+                <a:solidFill>
+                  <a:schemeClr val="bg1"/>
+                </a:solidFill>
+              </a:rPr>
+              <a:t>“</a:t>
+            </a:r>
+            <a:r>
+              <a:rPr lang="en-US" dirty="0" smtClean="0">
+                <a:solidFill>
+                  <a:schemeClr val="bg1"/>
+                </a:solidFill>
+              </a:rPr>
+              <a:t>Kirill is the new Charles Bronson.”</a:t>
+            </a:r>
+          </a:p>
+          <a:p>
+            <a:r>
+              <a:rPr lang="en-US" dirty="0" smtClean="0">
+                <a:solidFill>
+                  <a:schemeClr val="bg1"/>
+                </a:solidFill>
+              </a:rPr>
+              <a:t>- Python Gamers Magazine</a:t>
+            </a:r>
+            <a:endParaRPr lang="en-US" dirty="0">
+              <a:solidFill>
+                <a:schemeClr val="bg1"/>
+              </a:solidFill>
+            </a:endParaRPr>
+          </a:p>
+        </p:txBody>
+      </p:sp>
+      <p:sp>
+        <p:nvSpPr>
+          <p:cNvPr id="13" name="TextBox 12"/>
+          <p:cNvSpPr txBox="1"/>
+          <p:nvPr/>
+        </p:nvSpPr>
+        <p:spPr>
+          <a:xfrm rot="263025">
+            <a:off x="2692117" y="3912259"/>
+            <a:ext cx="3882262" cy="923330"/>
+          </a:xfrm>
+          <a:prstGeom prst="rect">
+            <a:avLst/>
+          </a:prstGeom>
+          <a:noFill/>
+        </p:spPr>
+        <p:txBody>
+          <a:bodyPr wrap="square" rtlCol="0">
+            <a:spAutoFit/>
+          </a:bodyPr>
+          <a:lstStyle/>
+          <a:p>
+            <a:r>
+              <a:rPr lang="en-US" dirty="0" smtClean="0">
+                <a:solidFill>
+                  <a:schemeClr val="bg1"/>
+                </a:solidFill>
+              </a:rPr>
+              <a:t>“</a:t>
+            </a:r>
+            <a:r>
+              <a:rPr lang="en-US" dirty="0" smtClean="0">
+                <a:solidFill>
+                  <a:schemeClr val="bg1"/>
+                </a:solidFill>
+              </a:rPr>
+              <a:t>It’s like a roulette; Fun until it gets Russian.”</a:t>
+            </a:r>
+            <a:br>
+              <a:rPr lang="en-US" dirty="0" smtClean="0">
+                <a:solidFill>
+                  <a:schemeClr val="bg1"/>
+                </a:solidFill>
+              </a:rPr>
+            </a:br>
+            <a:r>
+              <a:rPr lang="en-US" dirty="0" smtClean="0">
+                <a:solidFill>
+                  <a:schemeClr val="bg1"/>
+                </a:solidFill>
+              </a:rPr>
+              <a:t>- Anonymous Gamer </a:t>
+            </a:r>
+          </a:p>
+        </p:txBody>
+      </p:sp>
+      <p:sp>
+        <p:nvSpPr>
+          <p:cNvPr id="14" name="TextBox 13"/>
+          <p:cNvSpPr txBox="1"/>
+          <p:nvPr/>
+        </p:nvSpPr>
+        <p:spPr>
+          <a:xfrm rot="646153">
+            <a:off x="881955" y="5398130"/>
+            <a:ext cx="3273778" cy="646331"/>
+          </a:xfrm>
+          <a:prstGeom prst="rect">
+            <a:avLst/>
+          </a:prstGeom>
+          <a:noFill/>
+        </p:spPr>
+        <p:txBody>
+          <a:bodyPr wrap="square" rtlCol="0">
+            <a:spAutoFit/>
+          </a:bodyPr>
+          <a:lstStyle/>
+          <a:p>
+            <a:r>
+              <a:rPr lang="en-US" dirty="0" smtClean="0">
+                <a:solidFill>
+                  <a:schemeClr val="bg1"/>
+                </a:solidFill>
+              </a:rPr>
+              <a:t>“</a:t>
+            </a:r>
+            <a:r>
+              <a:rPr lang="en-US" dirty="0" smtClean="0">
+                <a:solidFill>
+                  <a:schemeClr val="bg1"/>
+                </a:solidFill>
+              </a:rPr>
+              <a:t>I can’t win this game!!!”</a:t>
+            </a:r>
+            <a:br>
+              <a:rPr lang="en-US" dirty="0" smtClean="0">
+                <a:solidFill>
+                  <a:schemeClr val="bg1"/>
+                </a:solidFill>
+              </a:rPr>
+            </a:br>
+            <a:r>
+              <a:rPr lang="en-US" dirty="0" smtClean="0">
+                <a:solidFill>
+                  <a:schemeClr val="bg1"/>
+                </a:solidFill>
+              </a:rPr>
+              <a:t>-Dr. Mad Morgan</a:t>
+            </a:r>
+            <a:endParaRPr lang="en-US" dirty="0">
+              <a:solidFill>
+                <a:schemeClr val="bg1"/>
+              </a:solidFill>
+            </a:endParaRPr>
+          </a:p>
+        </p:txBody>
+      </p:sp>
+      <p:sp>
+        <p:nvSpPr>
+          <p:cNvPr id="15" name="TextBox 14"/>
+          <p:cNvSpPr txBox="1"/>
+          <p:nvPr/>
+        </p:nvSpPr>
+        <p:spPr>
+          <a:xfrm rot="20815514">
+            <a:off x="5212269" y="5036189"/>
+            <a:ext cx="3520683" cy="923330"/>
+          </a:xfrm>
+          <a:prstGeom prst="rect">
+            <a:avLst/>
+          </a:prstGeom>
+          <a:noFill/>
+        </p:spPr>
+        <p:txBody>
+          <a:bodyPr wrap="square" rtlCol="0">
+            <a:spAutoFit/>
+          </a:bodyPr>
+          <a:lstStyle/>
+          <a:p>
+            <a:r>
+              <a:rPr lang="en-US" dirty="0" smtClean="0">
+                <a:solidFill>
+                  <a:schemeClr val="bg1"/>
+                </a:solidFill>
+              </a:rPr>
+              <a:t>“</a:t>
+            </a:r>
+            <a:r>
+              <a:rPr lang="en-US" dirty="0" smtClean="0">
+                <a:solidFill>
+                  <a:schemeClr val="bg1"/>
+                </a:solidFill>
+              </a:rPr>
+              <a:t>The moment I started playing this game. I quit my job.”</a:t>
+            </a:r>
+          </a:p>
+          <a:p>
+            <a:r>
+              <a:rPr lang="en-US" dirty="0" smtClean="0">
+                <a:solidFill>
+                  <a:schemeClr val="bg1"/>
+                </a:solidFill>
+              </a:rPr>
+              <a:t>- Prince Harry</a:t>
+            </a:r>
+            <a:endParaRPr lang="en-US" dirty="0">
+              <a:solidFill>
+                <a:schemeClr val="bg1"/>
+              </a:solidFill>
             </a:endParaRPr>
           </a:p>
         </p:txBody>
@@ -9005,7 +11471,7 @@
     </p:spTree>
     <p:extLst>
       <p:ext uri="{BB962C8B-B14F-4D97-AF65-F5344CB8AC3E}">
-        <p14:creationId xmlns:p14="http://schemas.microsoft.com/office/powerpoint/2010/main" val="1062671026"/>
+        <p14:creationId xmlns:p14="http://schemas.microsoft.com/office/powerpoint/2010/main" val="1225578505"/>
       </p:ext>
     </p:extLst>
   </p:cSld>
@@ -9274,4 +11740,265 @@
     </a:ext>
   </a:extLst>
 </a:theme>
+</file>
+
+<file path=ppt/theme/theme2.xml><?xml version="1.0" encoding="utf-8"?>
+<a:theme xmlns:a="http://schemas.openxmlformats.org/drawingml/2006/main" name="Office Theme">
+  <a:themeElements>
+    <a:clrScheme name="Office">
+      <a:dk1>
+        <a:sysClr val="windowText" lastClr="000000"/>
+      </a:dk1>
+      <a:lt1>
+        <a:sysClr val="window" lastClr="FFFFFF"/>
+      </a:lt1>
+      <a:dk2>
+        <a:srgbClr val="44546A"/>
+      </a:dk2>
+      <a:lt2>
+        <a:srgbClr val="E7E6E6"/>
+      </a:lt2>
+      <a:accent1>
+        <a:srgbClr val="5B9BD5"/>
+      </a:accent1>
+      <a:accent2>
+        <a:srgbClr val="ED7D31"/>
+      </a:accent2>
+      <a:accent3>
+        <a:srgbClr val="A5A5A5"/>
+      </a:accent3>
+      <a:accent4>
+        <a:srgbClr val="FFC000"/>
+      </a:accent4>
+      <a:accent5>
+        <a:srgbClr val="4472C4"/>
+      </a:accent5>
+      <a:accent6>
+        <a:srgbClr val="70AD47"/>
+      </a:accent6>
+      <a:hlink>
+        <a:srgbClr val="0563C1"/>
+      </a:hlink>
+      <a:folHlink>
+        <a:srgbClr val="954F72"/>
+      </a:folHlink>
+    </a:clrScheme>
+    <a:fontScheme name="Office">
+      <a:majorFont>
+        <a:latin typeface="Calibri Light" panose="020F0302020204030204"/>
+        <a:ea typeface=""/>
+        <a:cs typeface=""/>
+        <a:font script="Jpan" typeface="ＭＳ Ｐゴシック"/>
+        <a:font script="Hang" typeface="맑은 고딕"/>
+        <a:font script="Hans" typeface="宋体"/>
+        <a:font script="Hant" typeface="新細明體"/>
+        <a:font script="Arab" typeface="Times New Roman"/>
+        <a:font script="Hebr" typeface="Times New Roman"/>
+        <a:font script="Thai" typeface="Angsana New"/>
+        <a:font script="Ethi" typeface="Nyala"/>
+        <a:font script="Beng" typeface="Vrinda"/>
+        <a:font script="Gujr" typeface="Shruti"/>
+        <a:font script="Khmr" typeface="MoolBoran"/>
+        <a:font script="Knda" typeface="Tunga"/>
+        <a:font script="Guru" typeface="Raavi"/>
+        <a:font script="Cans" typeface="Euphemia"/>
+        <a:font script="Cher" typeface="Plantagenet Cherokee"/>
+        <a:font script="Yiii" typeface="Microsoft Yi Baiti"/>
+        <a:font script="Tibt" typeface="Microsoft Himalaya"/>
+        <a:font script="Thaa" typeface="MV Boli"/>
+        <a:font script="Deva" typeface="Mangal"/>
+        <a:font script="Telu" typeface="Gautami"/>
+        <a:font script="Taml" typeface="Latha"/>
+        <a:font script="Syrc" typeface="Estrangelo Edessa"/>
+        <a:font script="Orya" typeface="Kalinga"/>
+        <a:font script="Mlym" typeface="Kartika"/>
+        <a:font script="Laoo" typeface="DokChampa"/>
+        <a:font script="Sinh" typeface="Iskoola Pota"/>
+        <a:font script="Mong" typeface="Mongolian Baiti"/>
+        <a:font script="Viet" typeface="Times New Roman"/>
+        <a:font script="Uigh" typeface="Microsoft Uighur"/>
+        <a:font script="Geor" typeface="Sylfaen"/>
+      </a:majorFont>
+      <a:minorFont>
+        <a:latin typeface="Calibri" panose="020F0502020204030204"/>
+        <a:ea typeface=""/>
+        <a:cs typeface=""/>
+        <a:font script="Jpan" typeface="ＭＳ Ｐゴシック"/>
+        <a:font script="Hang" typeface="맑은 고딕"/>
+        <a:font script="Hans" typeface="宋体"/>
+        <a:font script="Hant" typeface="新細明體"/>
+        <a:font script="Arab" typeface="Arial"/>
+        <a:font script="Hebr" typeface="Arial"/>
+        <a:font script="Thai" typeface="Cordia New"/>
+        <a:font script="Ethi" typeface="Nyala"/>
+        <a:font script="Beng" typeface="Vrinda"/>
+        <a:font script="Gujr" typeface="Shruti"/>
+        <a:font script="Khmr" typeface="DaunPenh"/>
+        <a:font script="Knda" typeface="Tunga"/>
+        <a:font script="Guru" typeface="Raavi"/>
+        <a:font script="Cans" typeface="Euphemia"/>
+        <a:font script="Cher" typeface="Plantagenet Cherokee"/>
+        <a:font script="Yiii" typeface="Microsoft Yi Baiti"/>
+        <a:font script="Tibt" typeface="Microsoft Himalaya"/>
+        <a:font script="Thaa" typeface="MV Boli"/>
+        <a:font script="Deva" typeface="Mangal"/>
+        <a:font script="Telu" typeface="Gautami"/>
+        <a:font script="Taml" typeface="Latha"/>
+        <a:font script="Syrc" typeface="Estrangelo Edessa"/>
+        <a:font script="Orya" typeface="Kalinga"/>
+        <a:font script="Mlym" typeface="Kartika"/>
+        <a:font script="Laoo" typeface="DokChampa"/>
+        <a:font script="Sinh" typeface="Iskoola Pota"/>
+        <a:font script="Mong" typeface="Mongolian Baiti"/>
+        <a:font script="Viet" typeface="Arial"/>
+        <a:font script="Uigh" typeface="Microsoft Uighur"/>
+        <a:font script="Geor" typeface="Sylfaen"/>
+      </a:minorFont>
+    </a:fontScheme>
+    <a:fmtScheme name="Office">
+      <a:fillStyleLst>
+        <a:solidFill>
+          <a:schemeClr val="phClr"/>
+        </a:solidFill>
+        <a:gradFill rotWithShape="1">
+          <a:gsLst>
+            <a:gs pos="0">
+              <a:schemeClr val="phClr">
+                <a:lumMod val="110000"/>
+                <a:satMod val="105000"/>
+                <a:tint val="67000"/>
+              </a:schemeClr>
+            </a:gs>
+            <a:gs pos="50000">
+              <a:schemeClr val="phClr">
+                <a:lumMod val="105000"/>
+                <a:satMod val="103000"/>
+                <a:tint val="73000"/>
+              </a:schemeClr>
+            </a:gs>
+            <a:gs pos="100000">
+              <a:schemeClr val="phClr">
+                <a:lumMod val="105000"/>
+                <a:satMod val="109000"/>
+                <a:tint val="81000"/>
+              </a:schemeClr>
+            </a:gs>
+          </a:gsLst>
+          <a:lin ang="5400000" scaled="0"/>
+        </a:gradFill>
+        <a:gradFill rotWithShape="1">
+          <a:gsLst>
+            <a:gs pos="0">
+              <a:schemeClr val="phClr">
+                <a:satMod val="103000"/>
+                <a:lumMod val="102000"/>
+                <a:tint val="94000"/>
+              </a:schemeClr>
+            </a:gs>
+            <a:gs pos="50000">
+              <a:schemeClr val="phClr">
+                <a:satMod val="110000"/>
+                <a:lumMod val="100000"/>
+                <a:shade val="100000"/>
+              </a:schemeClr>
+            </a:gs>
+            <a:gs pos="100000">
+              <a:schemeClr val="phClr">
+                <a:lumMod val="99000"/>
+                <a:satMod val="120000"/>
+                <a:shade val="78000"/>
+              </a:schemeClr>
+            </a:gs>
+          </a:gsLst>
+          <a:lin ang="5400000" scaled="0"/>
+        </a:gradFill>
+      </a:fillStyleLst>
+      <a:lnStyleLst>
+        <a:ln w="6350" cap="flat" cmpd="sng" algn="ctr">
+          <a:solidFill>
+            <a:schemeClr val="phClr"/>
+          </a:solidFill>
+          <a:prstDash val="solid"/>
+          <a:miter lim="800000"/>
+        </a:ln>
+        <a:ln w="12700" cap="flat" cmpd="sng" algn="ctr">
+          <a:solidFill>
+            <a:schemeClr val="phClr"/>
+          </a:solidFill>
+          <a:prstDash val="solid"/>
+          <a:miter lim="800000"/>
+        </a:ln>
+        <a:ln w="19050" cap="flat" cmpd="sng" algn="ctr">
+          <a:solidFill>
+            <a:schemeClr val="phClr"/>
+          </a:solidFill>
+          <a:prstDash val="solid"/>
+          <a:miter lim="800000"/>
+        </a:ln>
+      </a:lnStyleLst>
+      <a:effectStyleLst>
+        <a:effectStyle>
+          <a:effectLst/>
+        </a:effectStyle>
+        <a:effectStyle>
+          <a:effectLst/>
+        </a:effectStyle>
+        <a:effectStyle>
+          <a:effectLst>
+            <a:outerShdw blurRad="57150" dist="19050" dir="5400000" algn="ctr" rotWithShape="0">
+              <a:srgbClr val="000000">
+                <a:alpha val="63000"/>
+              </a:srgbClr>
+            </a:outerShdw>
+          </a:effectLst>
+        </a:effectStyle>
+      </a:effectStyleLst>
+      <a:bgFillStyleLst>
+        <a:solidFill>
+          <a:schemeClr val="phClr"/>
+        </a:solidFill>
+        <a:solidFill>
+          <a:schemeClr val="phClr">
+            <a:tint val="95000"/>
+            <a:satMod val="170000"/>
+          </a:schemeClr>
+        </a:solidFill>
+        <a:gradFill rotWithShape="1">
+          <a:gsLst>
+            <a:gs pos="0">
+              <a:schemeClr val="phClr">
+                <a:tint val="93000"/>
+                <a:satMod val="150000"/>
+                <a:shade val="98000"/>
+                <a:lumMod val="102000"/>
+              </a:schemeClr>
+            </a:gs>
+            <a:gs pos="50000">
+              <a:schemeClr val="phClr">
+                <a:tint val="98000"/>
+                <a:satMod val="130000"/>
+                <a:shade val="90000"/>
+                <a:lumMod val="103000"/>
+              </a:schemeClr>
+            </a:gs>
+            <a:gs pos="100000">
+              <a:schemeClr val="phClr">
+                <a:shade val="63000"/>
+                <a:satMod val="120000"/>
+              </a:schemeClr>
+            </a:gs>
+          </a:gsLst>
+          <a:lin ang="5400000" scaled="0"/>
+        </a:gradFill>
+      </a:bgFillStyleLst>
+    </a:fmtScheme>
+  </a:themeElements>
+  <a:objectDefaults/>
+  <a:extraClrSchemeLst/>
+  <a:extLst>
+    <a:ext uri="{05A4C25C-085E-4340-85A3-A5531E510DB2}">
+      <thm15:themeFamily xmlns:thm15="http://schemas.microsoft.com/office/thememl/2012/main" name="Office Theme" id="{62F939B6-93AF-4DB8-9C6B-D6C7DFDC589F}" vid="{4A3C46E8-61CC-4603-A589-7422A47A8E4A}"/>
+    </a:ext>
+  </a:extLst>
+</a:theme>
 </file>